--- a/宣道詩/(宣道詩209) 妙愛找我.pptx
+++ b/宣道詩/(宣道詩209) 妙愛找我.pptx
@@ -5,20 +5,29 @@
     <p:sldMasterId id="2147483660" r:id="rId1"/>
   </p:sldMasterIdLst>
   <p:notesMasterIdLst>
-    <p:notesMasterId r:id="rId10"/>
+    <p:notesMasterId r:id="rId19"/>
   </p:notesMasterIdLst>
   <p:handoutMasterIdLst>
-    <p:handoutMasterId r:id="rId11"/>
+    <p:handoutMasterId r:id="rId20"/>
   </p:handoutMasterIdLst>
   <p:sldIdLst>
-    <p:sldId id="1606" r:id="rId2"/>
-    <p:sldId id="1607" r:id="rId3"/>
-    <p:sldId id="1608" r:id="rId4"/>
-    <p:sldId id="1609" r:id="rId5"/>
-    <p:sldId id="1610" r:id="rId6"/>
-    <p:sldId id="1611" r:id="rId7"/>
-    <p:sldId id="1612" r:id="rId8"/>
-    <p:sldId id="1613" r:id="rId9"/>
+    <p:sldId id="1614" r:id="rId2"/>
+    <p:sldId id="1615" r:id="rId3"/>
+    <p:sldId id="1616" r:id="rId4"/>
+    <p:sldId id="1617" r:id="rId5"/>
+    <p:sldId id="1618" r:id="rId6"/>
+    <p:sldId id="1619" r:id="rId7"/>
+    <p:sldId id="1620" r:id="rId8"/>
+    <p:sldId id="1621" r:id="rId9"/>
+    <p:sldId id="1622" r:id="rId10"/>
+    <p:sldId id="1623" r:id="rId11"/>
+    <p:sldId id="1624" r:id="rId12"/>
+    <p:sldId id="1625" r:id="rId13"/>
+    <p:sldId id="1626" r:id="rId14"/>
+    <p:sldId id="1627" r:id="rId15"/>
+    <p:sldId id="1628" r:id="rId16"/>
+    <p:sldId id="1629" r:id="rId17"/>
+    <p:sldId id="1630" r:id="rId18"/>
   </p:sldIdLst>
   <p:sldSz cx="12192000" cy="6858000"/>
   <p:notesSz cx="6858000" cy="9144000"/>
@@ -3724,7 +3733,7 @@
       </p:grpSpPr>
       <p:sp>
         <p:nvSpPr>
-          <p:cNvPr id="4" name="Title 3"/>
+          <p:cNvPr id="4" name="標題 3"/>
           <p:cNvSpPr>
             <a:spLocks noGrp="1"/>
           </p:cNvSpPr>
@@ -3732,75 +3741,207 @@
             <p:ph type="title"/>
           </p:nvPr>
         </p:nvSpPr>
-        <p:spPr/>
-        <p:txBody>
-          <a:bodyPr>
-            <a:normAutofit/>
-          </a:bodyPr>
-          <a:lstStyle/>
-          <a:p>
-            <a:r>
-              <a:rPr lang="en-US" altLang="zh-CN" sz="4800" b="1" dirty="0">
-                <a:solidFill>
-                  <a:srgbClr val="660033"/>
-                </a:solidFill>
-                <a:latin typeface="Microsoft JhengHei" panose="020B0604030504040204" pitchFamily="34" charset="-120"/>
-                <a:ea typeface="Microsoft JhengHei" panose="020B0604030504040204" pitchFamily="34" charset="-120"/>
-              </a:rPr>
-              <a:t>【</a:t>
-            </a:r>
-            <a:r>
-              <a:rPr lang="zh-CN" altLang="en-US" sz="4800" b="1" dirty="0">
-                <a:solidFill>
-                  <a:srgbClr val="660033"/>
-                </a:solidFill>
-                <a:latin typeface="Microsoft JhengHei" panose="020B0604030504040204" pitchFamily="34" charset="-120"/>
-                <a:ea typeface="Microsoft JhengHei" panose="020B0604030504040204" pitchFamily="34" charset="-120"/>
-              </a:rPr>
-              <a:t>妙愛找我</a:t>
-            </a:r>
-            <a:r>
-              <a:rPr lang="en-US" altLang="zh-CN" sz="4800" b="1" dirty="0">
-                <a:solidFill>
-                  <a:srgbClr val="660033"/>
-                </a:solidFill>
-                <a:latin typeface="Microsoft JhengHei" panose="020B0604030504040204" pitchFamily="34" charset="-120"/>
-                <a:ea typeface="Microsoft JhengHei" panose="020B0604030504040204" pitchFamily="34" charset="-120"/>
-              </a:rPr>
-              <a:t>】</a:t>
-            </a:r>
-          </a:p>
-        </p:txBody>
-      </p:sp>
-      <p:sp>
-        <p:nvSpPr>
-          <p:cNvPr id="5" name="Content Placeholder 4"/>
-          <p:cNvSpPr>
-            <a:spLocks noGrp="1"/>
-          </p:cNvSpPr>
-          <p:nvPr>
-            <p:ph idx="1"/>
-          </p:nvPr>
-        </p:nvSpPr>
-        <p:spPr/>
+        <p:spPr>
+          <a:xfrm>
+            <a:off x="0" y="2660915"/>
+            <a:ext cx="12192000" cy="1143000"/>
+          </a:xfrm>
+        </p:spPr>
         <p:txBody>
           <a:bodyPr>
             <a:noAutofit/>
           </a:bodyPr>
           <a:lstStyle/>
           <a:p>
+            <a:r>
+              <a:rPr lang="zh-CN" altLang="en-US" sz="5333" b="1" u="sng" dirty="0">
+                <a:solidFill>
+                  <a:srgbClr val="000066"/>
+                </a:solidFill>
+                <a:effectLst>
+                  <a:outerShdw blurRad="38100" dist="38100" dir="2700000" algn="tl">
+                    <a:srgbClr val="000000">
+                      <a:alpha val="43137"/>
+                    </a:srgbClr>
+                  </a:outerShdw>
+                </a:effectLst>
+                <a:latin typeface="微軟正黑體" pitchFamily="34" charset="-120"/>
+                <a:ea typeface="微軟正黑體" pitchFamily="34" charset="-120"/>
+              </a:rPr>
+              <a:t>宣道詩 </a:t>
+            </a:r>
+            <a:r>
+              <a:rPr lang="en-US" altLang="zh-CN" sz="5333" b="1" u="sng" dirty="0">
+                <a:solidFill>
+                  <a:srgbClr val="000066"/>
+                </a:solidFill>
+                <a:effectLst>
+                  <a:outerShdw blurRad="38100" dist="38100" dir="2700000" algn="tl">
+                    <a:srgbClr val="000000">
+                      <a:alpha val="43137"/>
+                    </a:srgbClr>
+                  </a:outerShdw>
+                </a:effectLst>
+                <a:latin typeface="微軟正黑體" pitchFamily="34" charset="-120"/>
+                <a:ea typeface="微軟正黑體" pitchFamily="34" charset="-120"/>
+              </a:rPr>
+              <a:t>209</a:t>
+            </a:r>
+            <a:r>
+              <a:rPr lang="en-US" altLang="zh-CN" sz="7200" b="1" i="1" dirty="0">
+                <a:solidFill>
+                  <a:srgbClr val="660033"/>
+                </a:solidFill>
+                <a:effectLst>
+                  <a:outerShdw blurRad="38100" dist="38100" dir="2700000" algn="tl">
+                    <a:srgbClr val="000000">
+                      <a:alpha val="43137"/>
+                    </a:srgbClr>
+                  </a:outerShdw>
+                </a:effectLst>
+                <a:latin typeface="微軟正黑體" pitchFamily="34" charset="-120"/>
+                <a:ea typeface="微軟正黑體" pitchFamily="34" charset="-120"/>
+              </a:rPr>
+              <a:t/>
+            </a:r>
+            <a:br>
+              <a:rPr lang="en-US" altLang="zh-CN" sz="7200" b="1" i="1" dirty="0">
+                <a:solidFill>
+                  <a:srgbClr val="660033"/>
+                </a:solidFill>
+                <a:effectLst>
+                  <a:outerShdw blurRad="38100" dist="38100" dir="2700000" algn="tl">
+                    <a:srgbClr val="000000">
+                      <a:alpha val="43137"/>
+                    </a:srgbClr>
+                  </a:outerShdw>
+                </a:effectLst>
+                <a:latin typeface="微軟正黑體" pitchFamily="34" charset="-120"/>
+                <a:ea typeface="微軟正黑體" pitchFamily="34" charset="-120"/>
+              </a:rPr>
+            </a:br>
+            <a:r>
+              <a:rPr lang="zh-CN" altLang="en-US" sz="8000" b="1" dirty="0">
+                <a:solidFill>
+                  <a:srgbClr val="660033"/>
+                </a:solidFill>
+                <a:effectLst>
+                  <a:outerShdw blurRad="38100" dist="38100" dir="2700000" algn="tl">
+                    <a:srgbClr val="000000">
+                      <a:alpha val="43137"/>
+                    </a:srgbClr>
+                  </a:outerShdw>
+                </a:effectLst>
+                <a:latin typeface="微軟正黑體" pitchFamily="34" charset="-120"/>
+                <a:ea typeface="微軟正黑體" pitchFamily="34" charset="-120"/>
+              </a:rPr>
+              <a:t>妙</a:t>
+            </a:r>
+            <a:r>
+              <a:rPr lang="zh-CN" altLang="en-US" sz="8000" b="1" dirty="0">
+                <a:solidFill>
+                  <a:srgbClr val="660033"/>
+                </a:solidFill>
+                <a:effectLst>
+                  <a:outerShdw blurRad="38100" dist="38100" dir="2700000" algn="tl">
+                    <a:srgbClr val="000000">
+                      <a:alpha val="43137"/>
+                    </a:srgbClr>
+                  </a:outerShdw>
+                </a:effectLst>
+                <a:latin typeface="微軟正黑體" pitchFamily="34" charset="-120"/>
+                <a:ea typeface="微軟正黑體" pitchFamily="34" charset="-120"/>
+              </a:rPr>
+              <a:t>愛找我</a:t>
+            </a:r>
+            <a:endParaRPr lang="zh-TW" altLang="en-US" sz="8000" b="1" dirty="0">
+              <a:solidFill>
+                <a:srgbClr val="660033"/>
+              </a:solidFill>
+              <a:effectLst>
+                <a:outerShdw blurRad="38100" dist="38100" dir="2700000" algn="tl">
+                  <a:srgbClr val="000000">
+                    <a:alpha val="43137"/>
+                  </a:srgbClr>
+                </a:outerShdw>
+              </a:effectLst>
+              <a:latin typeface="微軟正黑體" pitchFamily="34" charset="-120"/>
+              <a:ea typeface="微軟正黑體" pitchFamily="34" charset="-120"/>
+            </a:endParaRPr>
+          </a:p>
+        </p:txBody>
+      </p:sp>
+    </p:spTree>
+    <p:extLst>
+      <p:ext uri="{BB962C8B-B14F-4D97-AF65-F5344CB8AC3E}">
+        <p14:creationId xmlns:p14="http://schemas.microsoft.com/office/powerpoint/2010/main" val="2064390395"/>
+      </p:ext>
+    </p:extLst>
+  </p:cSld>
+  <p:clrMapOvr>
+    <a:masterClrMapping/>
+  </p:clrMapOvr>
+  <p:timing>
+    <p:tnLst>
+      <p:par>
+        <p:cTn id="1" dur="indefinite" restart="never" nodeType="tmRoot"/>
+      </p:par>
+    </p:tnLst>
+  </p:timing>
+</p:sld>
+</file>
+
+<file path=ppt/slides/slide10.xml><?xml version="1.0" encoding="utf-8"?>
+<p:sld xmlns:a="http://schemas.openxmlformats.org/drawingml/2006/main" xmlns:r="http://schemas.openxmlformats.org/officeDocument/2006/relationships" xmlns:p="http://schemas.openxmlformats.org/presentationml/2006/main">
+  <p:cSld>
+    <p:spTree>
+      <p:nvGrpSpPr>
+        <p:cNvPr id="1" name=""/>
+        <p:cNvGrpSpPr/>
+        <p:nvPr/>
+      </p:nvGrpSpPr>
+      <p:grpSpPr>
+        <a:xfrm>
+          <a:off x="0" y="0"/>
+          <a:ext cx="0" cy="0"/>
+          <a:chOff x="0" y="0"/>
+          <a:chExt cx="0" cy="0"/>
+        </a:xfrm>
+      </p:grpSpPr>
+      <p:sp>
+        <p:nvSpPr>
+          <p:cNvPr id="5" name="內容版面配置區 4"/>
+          <p:cNvSpPr>
+            <a:spLocks noGrp="1"/>
+          </p:cNvSpPr>
+          <p:nvPr>
+            <p:ph idx="1"/>
+          </p:nvPr>
+        </p:nvSpPr>
+        <p:spPr>
+          <a:xfrm>
+            <a:off x="0" y="2084853"/>
+            <a:ext cx="12192000" cy="2404863"/>
+          </a:xfrm>
+        </p:spPr>
+        <p:txBody>
+          <a:bodyPr anchor="ctr">
+            <a:normAutofit/>
+          </a:bodyPr>
+          <a:lstStyle/>
+          <a:p>
             <a:pPr marL="0" indent="0" algn="ctr">
               <a:buNone/>
             </a:pPr>
             <a:r>
-              <a:rPr lang="zh-TW" altLang="en-US" sz="5400" b="1" dirty="0">
+              <a:rPr lang="zh-TW" altLang="en-US" sz="6400" b="1" dirty="0">
                 <a:solidFill>
                   <a:srgbClr val="660033"/>
                 </a:solidFill>
                 <a:latin typeface="Microsoft JhengHei" panose="020B0604030504040204" pitchFamily="34" charset="-120"/>
                 <a:ea typeface="Microsoft JhengHei" panose="020B0604030504040204" pitchFamily="34" charset="-120"/>
               </a:rPr>
-              <a:t>主發慈愛尋找我</a:t>
+              <a:t>主的兩手有釘痕   寶血為我流出</a:t>
             </a:r>
           </a:p>
           <a:p>
@@ -3808,81 +3949,36 @@
               <a:buNone/>
             </a:pPr>
             <a:r>
-              <a:rPr lang="zh-TW" altLang="en-US" sz="5400" b="1" dirty="0">
+              <a:rPr lang="zh-TW" altLang="en-US" sz="6400" b="1" dirty="0">
                 <a:solidFill>
                   <a:srgbClr val="660033"/>
                 </a:solidFill>
                 <a:latin typeface="Microsoft JhengHei" panose="020B0604030504040204" pitchFamily="34" charset="-120"/>
                 <a:ea typeface="Microsoft JhengHei" panose="020B0604030504040204" pitchFamily="34" charset="-120"/>
               </a:rPr>
-              <a:t>疲倦在罪惡間</a:t>
-            </a:r>
-          </a:p>
-          <a:p>
-            <a:pPr marL="0" indent="0" algn="ctr">
-              <a:buNone/>
-            </a:pPr>
-            <a:r>
-              <a:rPr lang="zh-TW" altLang="en-US" sz="5400" b="1" dirty="0">
+              <a:t>人用荊棘</a:t>
+            </a:r>
+            <a:r>
+              <a:rPr lang="zh-CN" altLang="en-US" sz="6400" b="1" dirty="0">
                 <a:solidFill>
                   <a:srgbClr val="660033"/>
                 </a:solidFill>
                 <a:latin typeface="Microsoft JhengHei" panose="020B0604030504040204" pitchFamily="34" charset="-120"/>
                 <a:ea typeface="Microsoft JhengHei" panose="020B0604030504040204" pitchFamily="34" charset="-120"/>
               </a:rPr>
-              <a:t>便顯大能懷抱</a:t>
-            </a:r>
-            <a:r>
-              <a:rPr lang="zh-TW" altLang="en-US" sz="5400" b="1" dirty="0">
+              <a:t>作</a:t>
+            </a:r>
+            <a:r>
+              <a:rPr lang="zh-TW" altLang="en-US" sz="6400" b="1" dirty="0">
                 <a:solidFill>
                   <a:srgbClr val="660033"/>
                 </a:solidFill>
                 <a:latin typeface="Microsoft JhengHei" panose="020B0604030504040204" pitchFamily="34" charset="-120"/>
                 <a:ea typeface="Microsoft JhengHei" panose="020B0604030504040204" pitchFamily="34" charset="-120"/>
               </a:rPr>
-              <a:t>我  安</a:t>
-            </a:r>
-            <a:r>
-              <a:rPr lang="zh-TW" altLang="en-US" sz="5400" b="1" dirty="0">
-                <a:solidFill>
-                  <a:srgbClr val="660033"/>
-                </a:solidFill>
-                <a:latin typeface="Microsoft JhengHei" panose="020B0604030504040204" pitchFamily="34" charset="-120"/>
-                <a:ea typeface="Microsoft JhengHei" panose="020B0604030504040204" pitchFamily="34" charset="-120"/>
-              </a:rPr>
-              <a:t>放羊</a:t>
-            </a:r>
-            <a:r>
-              <a:rPr lang="zh-CN" altLang="zh-TW" sz="5400" b="1" dirty="0">
-                <a:solidFill>
-                  <a:srgbClr val="660033"/>
-                </a:solidFill>
-                <a:latin typeface="Microsoft JhengHei" panose="020B0604030504040204" pitchFamily="34" charset="-120"/>
-                <a:ea typeface="Microsoft JhengHei" panose="020B0604030504040204" pitchFamily="34" charset="-120"/>
-              </a:rPr>
-              <a:t>群</a:t>
-            </a:r>
-            <a:r>
-              <a:rPr lang="zh-TW" altLang="en-US" sz="5400" b="1" dirty="0">
-                <a:solidFill>
-                  <a:srgbClr val="660033"/>
-                </a:solidFill>
-                <a:latin typeface="Microsoft JhengHei" panose="020B0604030504040204" pitchFamily="34" charset="-120"/>
-                <a:ea typeface="Microsoft JhengHei" panose="020B0604030504040204" pitchFamily="34" charset="-120"/>
-              </a:rPr>
-              <a:t>裏</a:t>
-            </a:r>
-            <a:r>
-              <a:rPr lang="zh-TW" altLang="en-US" sz="5400" b="1" dirty="0">
-                <a:solidFill>
-                  <a:srgbClr val="660033"/>
-                </a:solidFill>
-                <a:latin typeface="Microsoft JhengHei" panose="020B0604030504040204" pitchFamily="34" charset="-120"/>
-                <a:ea typeface="Microsoft JhengHei" panose="020B0604030504040204" pitchFamily="34" charset="-120"/>
-              </a:rPr>
-              <a:t>邊</a:t>
-            </a:r>
-            <a:endParaRPr lang="en-US" altLang="zh-TW" sz="5400" b="1" dirty="0">
+              <a:t>冠冕   戲弄加上淩辱</a:t>
+            </a:r>
+            <a:endParaRPr lang="en-US" altLang="zh-TW" sz="6400" b="1" dirty="0">
               <a:solidFill>
                 <a:srgbClr val="660033"/>
               </a:solidFill>
@@ -3890,19 +3986,134 @@
               <a:ea typeface="Microsoft JhengHei" panose="020B0604030504040204" pitchFamily="34" charset="-120"/>
             </a:endParaRPr>
           </a:p>
+        </p:txBody>
+      </p:sp>
+      <p:sp>
+        <p:nvSpPr>
+          <p:cNvPr id="3" name="TextBox 2"/>
+          <p:cNvSpPr txBox="1"/>
+          <p:nvPr/>
+        </p:nvSpPr>
+        <p:spPr>
+          <a:xfrm>
+            <a:off x="0" y="5061183"/>
+            <a:ext cx="12192000" cy="830997"/>
+          </a:xfrm>
+          <a:prstGeom prst="rect">
+            <a:avLst/>
+          </a:prstGeom>
+          <a:noFill/>
+        </p:spPr>
+        <p:txBody>
+          <a:bodyPr wrap="square" rtlCol="0">
+            <a:spAutoFit/>
+          </a:bodyPr>
+          <a:lstStyle/>
+          <a:p>
+            <a:pPr algn="ctr"/>
+            <a:r>
+              <a:rPr lang="en-US" sz="4800" b="1" dirty="0">
+                <a:solidFill>
+                  <a:srgbClr val="660033"/>
+                </a:solidFill>
+              </a:rPr>
+              <a:t>( </a:t>
+            </a:r>
+            <a:r>
+              <a:rPr lang="en-US" sz="4800" b="1" dirty="0">
+                <a:solidFill>
+                  <a:srgbClr val="660033"/>
+                </a:solidFill>
+              </a:rPr>
+              <a:t>3 </a:t>
+            </a:r>
+            <a:r>
+              <a:rPr lang="en-US" sz="4800" b="1" dirty="0">
+                <a:solidFill>
+                  <a:srgbClr val="660033"/>
+                </a:solidFill>
+              </a:rPr>
+              <a:t>)</a:t>
+            </a:r>
+            <a:endParaRPr lang="vi-VN" sz="4800" b="1" dirty="0">
+              <a:solidFill>
+                <a:srgbClr val="660033"/>
+              </a:solidFill>
+            </a:endParaRPr>
+          </a:p>
+        </p:txBody>
+      </p:sp>
+    </p:spTree>
+    <p:extLst>
+      <p:ext uri="{BB962C8B-B14F-4D97-AF65-F5344CB8AC3E}">
+        <p14:creationId xmlns:p14="http://schemas.microsoft.com/office/powerpoint/2010/main" val="3730224867"/>
+      </p:ext>
+    </p:extLst>
+  </p:cSld>
+  <p:clrMapOvr>
+    <a:masterClrMapping/>
+  </p:clrMapOvr>
+  <p:timing>
+    <p:tnLst>
+      <p:par>
+        <p:cTn id="1" dur="indefinite" restart="never" nodeType="tmRoot"/>
+      </p:par>
+    </p:tnLst>
+  </p:timing>
+</p:sld>
+</file>
+
+<file path=ppt/slides/slide11.xml><?xml version="1.0" encoding="utf-8"?>
+<p:sld xmlns:a="http://schemas.openxmlformats.org/drawingml/2006/main" xmlns:r="http://schemas.openxmlformats.org/officeDocument/2006/relationships" xmlns:p="http://schemas.openxmlformats.org/presentationml/2006/main">
+  <p:cSld>
+    <p:spTree>
+      <p:nvGrpSpPr>
+        <p:cNvPr id="1" name=""/>
+        <p:cNvGrpSpPr/>
+        <p:nvPr/>
+      </p:nvGrpSpPr>
+      <p:grpSpPr>
+        <a:xfrm>
+          <a:off x="0" y="0"/>
+          <a:ext cx="0" cy="0"/>
+          <a:chOff x="0" y="0"/>
+          <a:chExt cx="0" cy="0"/>
+        </a:xfrm>
+      </p:grpSpPr>
+      <p:sp>
+        <p:nvSpPr>
+          <p:cNvPr id="5" name="內容版面配置區 4"/>
+          <p:cNvSpPr>
+            <a:spLocks noGrp="1"/>
+          </p:cNvSpPr>
+          <p:nvPr>
+            <p:ph idx="1"/>
+          </p:nvPr>
+        </p:nvSpPr>
+        <p:spPr>
+          <a:xfrm>
+            <a:off x="0" y="2084853"/>
+            <a:ext cx="12192000" cy="2404863"/>
+          </a:xfrm>
+        </p:spPr>
+        <p:txBody>
+          <a:bodyPr anchor="ctr">
+            <a:normAutofit/>
+          </a:bodyPr>
+          <a:lstStyle/>
           <a:p>
             <a:pPr marL="0" indent="0" algn="ctr">
               <a:buNone/>
             </a:pPr>
             <a:r>
-              <a:rPr lang="zh-TW" altLang="en-US" sz="5400" b="1" dirty="0">
+              <a:rPr lang="zh-TW" altLang="en-US" sz="6400" b="1" dirty="0">
                 <a:solidFill>
                   <a:srgbClr val="660033"/>
                 </a:solidFill>
                 <a:latin typeface="Microsoft JhengHei" panose="020B0604030504040204" pitchFamily="34" charset="-120"/>
                 <a:ea typeface="Microsoft JhengHei" panose="020B0604030504040204" pitchFamily="34" charset="-120"/>
               </a:rPr>
-              <a:t>激動天使歡欣歌唱</a:t>
+              <a:t>主愛極大憐我罪人</a:t>
             </a:r>
           </a:p>
           <a:p>
@@ -3910,26 +4121,16 @@
               <a:buNone/>
             </a:pPr>
             <a:r>
-              <a:rPr lang="zh-TW" altLang="en-US" sz="5400" b="1" dirty="0">
+              <a:rPr lang="zh-TW" altLang="en-US" sz="6400" b="1" dirty="0">
                 <a:solidFill>
                   <a:srgbClr val="660033"/>
                 </a:solidFill>
                 <a:latin typeface="Microsoft JhengHei" panose="020B0604030504040204" pitchFamily="34" charset="-120"/>
                 <a:ea typeface="Microsoft JhengHei" panose="020B0604030504040204" pitchFamily="34" charset="-120"/>
               </a:rPr>
-              <a:t>甚至歌聲滿天應</a:t>
-            </a:r>
-            <a:r>
-              <a:rPr lang="zh-TW" altLang="en-US" sz="5400" b="1" dirty="0">
-                <a:solidFill>
-                  <a:srgbClr val="660033"/>
-                </a:solidFill>
-                <a:latin typeface="Microsoft JhengHei" panose="020B0604030504040204" pitchFamily="34" charset="-120"/>
-                <a:ea typeface="Microsoft JhengHei" panose="020B0604030504040204" pitchFamily="34" charset="-120"/>
-              </a:rPr>
-              <a:t>響</a:t>
-            </a:r>
-            <a:endParaRPr lang="zh-TW" altLang="en-US" sz="5400" b="1" dirty="0">
+              <a:t>甚至為我受苦最深</a:t>
+            </a:r>
+            <a:endParaRPr lang="zh-TW" altLang="en-US" sz="6400" b="1" dirty="0">
               <a:solidFill>
                 <a:srgbClr val="660033"/>
               </a:solidFill>
@@ -3941,52 +4142,878 @@
       </p:sp>
       <p:sp>
         <p:nvSpPr>
-          <p:cNvPr id="6" name="Text Box 1"/>
+          <p:cNvPr id="3" name="TextBox 2"/>
           <p:cNvSpPr txBox="1"/>
           <p:nvPr/>
         </p:nvSpPr>
         <p:spPr>
           <a:xfrm>
-            <a:off x="1199456" y="1700808"/>
-            <a:ext cx="1161268" cy="923330"/>
+            <a:off x="0" y="5061183"/>
+            <a:ext cx="12192000" cy="830997"/>
           </a:xfrm>
           <a:prstGeom prst="rect">
             <a:avLst/>
           </a:prstGeom>
           <a:noFill/>
-          <a:ln w="9525">
-            <a:noFill/>
-            <a:miter lim="800000"/>
-          </a:ln>
         </p:spPr>
         <p:txBody>
-          <a:bodyPr wrap="square">
+          <a:bodyPr wrap="square" rtlCol="0">
             <a:spAutoFit/>
           </a:bodyPr>
           <a:lstStyle/>
           <a:p>
             <a:pPr algn="ctr"/>
             <a:r>
-              <a:rPr lang="en-US" sz="5400" b="1" dirty="0">
-                <a:solidFill>
-                  <a:srgbClr val="660033"/>
-                </a:solidFill>
-              </a:rPr>
-              <a:t>1.</a:t>
-            </a:r>
+              <a:rPr lang="en-US" sz="4800" b="1" dirty="0">
+                <a:solidFill>
+                  <a:srgbClr val="660033"/>
+                </a:solidFill>
+              </a:rPr>
+              <a:t>( </a:t>
+            </a:r>
+            <a:r>
+              <a:rPr lang="en-US" sz="4800" b="1" dirty="0">
+                <a:solidFill>
+                  <a:srgbClr val="660033"/>
+                </a:solidFill>
+              </a:rPr>
+              <a:t>3 </a:t>
+            </a:r>
+            <a:r>
+              <a:rPr lang="en-US" sz="4800" b="1" dirty="0">
+                <a:solidFill>
+                  <a:srgbClr val="660033"/>
+                </a:solidFill>
+              </a:rPr>
+              <a:t>)</a:t>
+            </a:r>
+            <a:endParaRPr lang="vi-VN" sz="4800" b="1" dirty="0">
+              <a:solidFill>
+                <a:srgbClr val="660033"/>
+              </a:solidFill>
+            </a:endParaRPr>
           </a:p>
         </p:txBody>
       </p:sp>
     </p:spTree>
     <p:extLst>
       <p:ext uri="{BB962C8B-B14F-4D97-AF65-F5344CB8AC3E}">
-        <p14:creationId xmlns:p14="http://schemas.microsoft.com/office/powerpoint/2010/main" val="90481668"/>
+        <p14:creationId xmlns:p14="http://schemas.microsoft.com/office/powerpoint/2010/main" val="1968984592"/>
       </p:ext>
     </p:extLst>
   </p:cSld>
   <p:clrMapOvr>
     <a:masterClrMapping/>
   </p:clrMapOvr>
+  <p:timing>
+    <p:tnLst>
+      <p:par>
+        <p:cTn id="1" dur="indefinite" restart="never" nodeType="tmRoot"/>
+      </p:par>
+    </p:tnLst>
+  </p:timing>
+</p:sld>
+</file>
+
+<file path=ppt/slides/slide12.xml><?xml version="1.0" encoding="utf-8"?>
+<p:sld xmlns:a="http://schemas.openxmlformats.org/drawingml/2006/main" xmlns:r="http://schemas.openxmlformats.org/officeDocument/2006/relationships" xmlns:p="http://schemas.openxmlformats.org/presentationml/2006/main">
+  <p:cSld>
+    <p:spTree>
+      <p:nvGrpSpPr>
+        <p:cNvPr id="1" name=""/>
+        <p:cNvGrpSpPr/>
+        <p:nvPr/>
+      </p:nvGrpSpPr>
+      <p:grpSpPr>
+        <a:xfrm>
+          <a:off x="0" y="0"/>
+          <a:ext cx="0" cy="0"/>
+          <a:chOff x="0" y="0"/>
+          <a:chExt cx="0" cy="0"/>
+        </a:xfrm>
+      </p:grpSpPr>
+      <p:sp>
+        <p:nvSpPr>
+          <p:cNvPr id="5" name="內容版面配置區 4"/>
+          <p:cNvSpPr>
+            <a:spLocks noGrp="1"/>
+          </p:cNvSpPr>
+          <p:nvPr>
+            <p:ph idx="1"/>
+          </p:nvPr>
+        </p:nvSpPr>
+        <p:spPr>
+          <a:xfrm>
+            <a:off x="0" y="2084853"/>
+            <a:ext cx="12192000" cy="2404863"/>
+          </a:xfrm>
+        </p:spPr>
+        <p:txBody>
+          <a:bodyPr anchor="ctr">
+            <a:normAutofit/>
+          </a:bodyPr>
+          <a:lstStyle/>
+          <a:p>
+            <a:pPr marL="0" indent="0" algn="ctr">
+              <a:buNone/>
+            </a:pPr>
+            <a:r>
+              <a:rPr lang="zh-TW" altLang="en-US" sz="6400" b="1" dirty="0">
+                <a:solidFill>
+                  <a:srgbClr val="660033"/>
+                </a:solidFill>
+                <a:latin typeface="Microsoft JhengHei" panose="020B0604030504040204" pitchFamily="34" charset="-120"/>
+                <a:ea typeface="Microsoft JhengHei" panose="020B0604030504040204" pitchFamily="34" charset="-120"/>
+              </a:rPr>
+              <a:t>愛何大尋找我</a:t>
+            </a:r>
+          </a:p>
+          <a:p>
+            <a:pPr marL="0" indent="0" algn="ctr">
+              <a:buNone/>
+            </a:pPr>
+            <a:r>
+              <a:rPr lang="zh-TW" altLang="en-US" sz="6400" b="1" dirty="0">
+                <a:solidFill>
+                  <a:srgbClr val="660033"/>
+                </a:solidFill>
+                <a:latin typeface="Microsoft JhengHei" panose="020B0604030504040204" pitchFamily="34" charset="-120"/>
+                <a:ea typeface="Microsoft JhengHei" panose="020B0604030504040204" pitchFamily="34" charset="-120"/>
+              </a:rPr>
+              <a:t>血何寶洗淨我</a:t>
+            </a:r>
+            <a:endParaRPr lang="zh-TW" altLang="en-US" sz="6400" b="1" dirty="0">
+              <a:solidFill>
+                <a:srgbClr val="660033"/>
+              </a:solidFill>
+              <a:latin typeface="Microsoft JhengHei" panose="020B0604030504040204" pitchFamily="34" charset="-120"/>
+              <a:ea typeface="Microsoft JhengHei" panose="020B0604030504040204" pitchFamily="34" charset="-120"/>
+            </a:endParaRPr>
+          </a:p>
+        </p:txBody>
+      </p:sp>
+    </p:spTree>
+    <p:extLst>
+      <p:ext uri="{BB962C8B-B14F-4D97-AF65-F5344CB8AC3E}">
+        <p14:creationId xmlns:p14="http://schemas.microsoft.com/office/powerpoint/2010/main" val="362325828"/>
+      </p:ext>
+    </p:extLst>
+  </p:cSld>
+  <p:clrMapOvr>
+    <a:masterClrMapping/>
+  </p:clrMapOvr>
+  <p:timing>
+    <p:tnLst>
+      <p:par>
+        <p:cTn id="1" dur="indefinite" restart="never" nodeType="tmRoot"/>
+      </p:par>
+    </p:tnLst>
+  </p:timing>
+</p:sld>
+</file>
+
+<file path=ppt/slides/slide13.xml><?xml version="1.0" encoding="utf-8"?>
+<p:sld xmlns:a="http://schemas.openxmlformats.org/drawingml/2006/main" xmlns:r="http://schemas.openxmlformats.org/officeDocument/2006/relationships" xmlns:p="http://schemas.openxmlformats.org/presentationml/2006/main">
+  <p:cSld>
+    <p:spTree>
+      <p:nvGrpSpPr>
+        <p:cNvPr id="1" name=""/>
+        <p:cNvGrpSpPr/>
+        <p:nvPr/>
+      </p:nvGrpSpPr>
+      <p:grpSpPr>
+        <a:xfrm>
+          <a:off x="0" y="0"/>
+          <a:ext cx="0" cy="0"/>
+          <a:chOff x="0" y="0"/>
+          <a:chExt cx="0" cy="0"/>
+        </a:xfrm>
+      </p:grpSpPr>
+      <p:sp>
+        <p:nvSpPr>
+          <p:cNvPr id="5" name="內容版面配置區 4"/>
+          <p:cNvSpPr>
+            <a:spLocks noGrp="1"/>
+          </p:cNvSpPr>
+          <p:nvPr>
+            <p:ph idx="1"/>
+          </p:nvPr>
+        </p:nvSpPr>
+        <p:spPr>
+          <a:xfrm>
+            <a:off x="0" y="2084853"/>
+            <a:ext cx="12192000" cy="2404863"/>
+          </a:xfrm>
+        </p:spPr>
+        <p:txBody>
+          <a:bodyPr anchor="ctr">
+            <a:normAutofit/>
+          </a:bodyPr>
+          <a:lstStyle/>
+          <a:p>
+            <a:pPr marL="0" indent="0" algn="ctr">
+              <a:buNone/>
+            </a:pPr>
+            <a:r>
+              <a:rPr lang="zh-TW" altLang="en-US" sz="6400" b="1" dirty="0">
+                <a:solidFill>
+                  <a:srgbClr val="660033"/>
+                </a:solidFill>
+                <a:latin typeface="Microsoft JhengHei" panose="020B0604030504040204" pitchFamily="34" charset="-120"/>
+                <a:ea typeface="Microsoft JhengHei" panose="020B0604030504040204" pitchFamily="34" charset="-120"/>
+              </a:rPr>
+              <a:t>恩何寬領我歸</a:t>
+            </a:r>
+            <a:r>
+              <a:rPr lang="zh-CN" altLang="zh-TW" sz="6400" b="1" dirty="0">
+                <a:solidFill>
+                  <a:srgbClr val="660033"/>
+                </a:solidFill>
+                <a:latin typeface="Microsoft JhengHei" panose="020B0604030504040204" pitchFamily="34" charset="-120"/>
+                <a:ea typeface="Microsoft JhengHei" panose="020B0604030504040204" pitchFamily="34" charset="-120"/>
+              </a:rPr>
+              <a:t>回群</a:t>
+            </a:r>
+            <a:r>
+              <a:rPr lang="zh-TW" altLang="en-US" sz="6400" b="1" dirty="0">
+                <a:solidFill>
+                  <a:srgbClr val="660033"/>
+                </a:solidFill>
+                <a:latin typeface="Microsoft JhengHei" panose="020B0604030504040204" pitchFamily="34" charset="-120"/>
+                <a:ea typeface="Microsoft JhengHei" panose="020B0604030504040204" pitchFamily="34" charset="-120"/>
+              </a:rPr>
+              <a:t>中</a:t>
+            </a:r>
+          </a:p>
+          <a:p>
+            <a:pPr marL="0" indent="0" algn="ctr">
+              <a:buNone/>
+            </a:pPr>
+            <a:r>
+              <a:rPr lang="zh-TW" altLang="en-US" sz="6400" b="1" dirty="0">
+                <a:solidFill>
+                  <a:srgbClr val="660033"/>
+                </a:solidFill>
+                <a:latin typeface="Microsoft JhengHei" panose="020B0604030504040204" pitchFamily="34" charset="-120"/>
+                <a:ea typeface="Microsoft JhengHei" panose="020B0604030504040204" pitchFamily="34" charset="-120"/>
+              </a:rPr>
+              <a:t>恩何寬領我歸</a:t>
+            </a:r>
+            <a:r>
+              <a:rPr lang="zh-CN" altLang="zh-TW" sz="6400" b="1" dirty="0">
+                <a:solidFill>
+                  <a:srgbClr val="660033"/>
+                </a:solidFill>
+                <a:latin typeface="Microsoft JhengHei" panose="020B0604030504040204" pitchFamily="34" charset="-120"/>
+                <a:ea typeface="Microsoft JhengHei" panose="020B0604030504040204" pitchFamily="34" charset="-120"/>
+              </a:rPr>
+              <a:t>回群</a:t>
+            </a:r>
+            <a:r>
+              <a:rPr lang="zh-TW" altLang="en-US" sz="6400" b="1" dirty="0">
+                <a:solidFill>
+                  <a:srgbClr val="660033"/>
+                </a:solidFill>
+                <a:latin typeface="Microsoft JhengHei" panose="020B0604030504040204" pitchFamily="34" charset="-120"/>
+                <a:ea typeface="Microsoft JhengHei" panose="020B0604030504040204" pitchFamily="34" charset="-120"/>
+              </a:rPr>
+              <a:t>中</a:t>
+            </a:r>
+            <a:endParaRPr lang="zh-TW" altLang="en-US" sz="6400" b="1" dirty="0">
+              <a:solidFill>
+                <a:srgbClr val="660033"/>
+              </a:solidFill>
+              <a:latin typeface="Microsoft JhengHei" panose="020B0604030504040204" pitchFamily="34" charset="-120"/>
+              <a:ea typeface="Microsoft JhengHei" panose="020B0604030504040204" pitchFamily="34" charset="-120"/>
+            </a:endParaRPr>
+          </a:p>
+        </p:txBody>
+      </p:sp>
+    </p:spTree>
+    <p:extLst>
+      <p:ext uri="{BB962C8B-B14F-4D97-AF65-F5344CB8AC3E}">
+        <p14:creationId xmlns:p14="http://schemas.microsoft.com/office/powerpoint/2010/main" val="2635434621"/>
+      </p:ext>
+    </p:extLst>
+  </p:cSld>
+  <p:clrMapOvr>
+    <a:masterClrMapping/>
+  </p:clrMapOvr>
+  <p:timing>
+    <p:tnLst>
+      <p:par>
+        <p:cTn id="1" dur="indefinite" restart="never" nodeType="tmRoot"/>
+      </p:par>
+    </p:tnLst>
+  </p:timing>
+</p:sld>
+</file>
+
+<file path=ppt/slides/slide14.xml><?xml version="1.0" encoding="utf-8"?>
+<p:sld xmlns:a="http://schemas.openxmlformats.org/drawingml/2006/main" xmlns:r="http://schemas.openxmlformats.org/officeDocument/2006/relationships" xmlns:p="http://schemas.openxmlformats.org/presentationml/2006/main">
+  <p:cSld>
+    <p:spTree>
+      <p:nvGrpSpPr>
+        <p:cNvPr id="1" name=""/>
+        <p:cNvGrpSpPr/>
+        <p:nvPr/>
+      </p:nvGrpSpPr>
+      <p:grpSpPr>
+        <a:xfrm>
+          <a:off x="0" y="0"/>
+          <a:ext cx="0" cy="0"/>
+          <a:chOff x="0" y="0"/>
+          <a:chExt cx="0" cy="0"/>
+        </a:xfrm>
+      </p:grpSpPr>
+      <p:sp>
+        <p:nvSpPr>
+          <p:cNvPr id="5" name="內容版面配置區 4"/>
+          <p:cNvSpPr>
+            <a:spLocks noGrp="1"/>
+          </p:cNvSpPr>
+          <p:nvPr>
+            <p:ph idx="1"/>
+          </p:nvPr>
+        </p:nvSpPr>
+        <p:spPr>
+          <a:xfrm>
+            <a:off x="0" y="2084853"/>
+            <a:ext cx="12192000" cy="2404863"/>
+          </a:xfrm>
+        </p:spPr>
+        <p:txBody>
+          <a:bodyPr anchor="ctr">
+            <a:normAutofit/>
+          </a:bodyPr>
+          <a:lstStyle/>
+          <a:p>
+            <a:pPr marL="0" indent="0" algn="ctr">
+              <a:buNone/>
+            </a:pPr>
+            <a:r>
+              <a:rPr lang="zh-TW" altLang="en-US" sz="6400" b="1" dirty="0">
+                <a:solidFill>
+                  <a:srgbClr val="660033"/>
+                </a:solidFill>
+                <a:latin typeface="Microsoft JhengHei" panose="020B0604030504040204" pitchFamily="34" charset="-120"/>
+                <a:ea typeface="Microsoft JhengHei" panose="020B0604030504040204" pitchFamily="34" charset="-120"/>
+              </a:rPr>
+              <a:t>我在世上為客旅   心裏卻甚安穩</a:t>
+            </a:r>
+          </a:p>
+          <a:p>
+            <a:pPr marL="0" indent="0" algn="ctr">
+              <a:buNone/>
+            </a:pPr>
+            <a:r>
+              <a:rPr lang="zh-TW" altLang="en-US" sz="6400" b="1" dirty="0">
+                <a:solidFill>
+                  <a:srgbClr val="660033"/>
+                </a:solidFill>
+                <a:latin typeface="Microsoft JhengHei" panose="020B0604030504040204" pitchFamily="34" charset="-120"/>
+                <a:ea typeface="Microsoft JhengHei" panose="020B0604030504040204" pitchFamily="34" charset="-120"/>
+              </a:rPr>
+              <a:t>耐心等候那早晨  </a:t>
+            </a:r>
+            <a:r>
+              <a:rPr lang="zh-CN" altLang="en-US" sz="6400" b="1" dirty="0">
+                <a:solidFill>
+                  <a:srgbClr val="660033"/>
+                </a:solidFill>
+                <a:latin typeface="Microsoft JhengHei" panose="020B0604030504040204" pitchFamily="34" charset="-120"/>
+                <a:ea typeface="Microsoft JhengHei" panose="020B0604030504040204" pitchFamily="34" charset="-120"/>
+              </a:rPr>
+              <a:t> </a:t>
+            </a:r>
+            <a:r>
+              <a:rPr lang="zh-CN" altLang="zh-TW" sz="6400" b="1" dirty="0">
+                <a:solidFill>
+                  <a:srgbClr val="660033"/>
+                </a:solidFill>
+                <a:latin typeface="Microsoft JhengHei" panose="020B0604030504040204" pitchFamily="34" charset="-120"/>
+                <a:ea typeface="Microsoft JhengHei" panose="020B0604030504040204" pitchFamily="34" charset="-120"/>
+              </a:rPr>
+              <a:t>即</a:t>
+            </a:r>
+            <a:r>
+              <a:rPr lang="zh-TW" altLang="en-US" sz="6400" b="1" dirty="0">
+                <a:solidFill>
+                  <a:srgbClr val="660033"/>
+                </a:solidFill>
+                <a:latin typeface="Microsoft JhengHei" panose="020B0604030504040204" pitchFamily="34" charset="-120"/>
+                <a:ea typeface="Microsoft JhengHei" panose="020B0604030504040204" pitchFamily="34" charset="-120"/>
+              </a:rPr>
+              <a:t>主降臨時分</a:t>
+            </a:r>
+            <a:endParaRPr lang="en-US" altLang="zh-TW" sz="6400" b="1" dirty="0">
+              <a:solidFill>
+                <a:srgbClr val="660033"/>
+              </a:solidFill>
+              <a:latin typeface="Microsoft JhengHei" panose="020B0604030504040204" pitchFamily="34" charset="-120"/>
+              <a:ea typeface="Microsoft JhengHei" panose="020B0604030504040204" pitchFamily="34" charset="-120"/>
+            </a:endParaRPr>
+          </a:p>
+        </p:txBody>
+      </p:sp>
+      <p:sp>
+        <p:nvSpPr>
+          <p:cNvPr id="3" name="TextBox 2"/>
+          <p:cNvSpPr txBox="1"/>
+          <p:nvPr/>
+        </p:nvSpPr>
+        <p:spPr>
+          <a:xfrm>
+            <a:off x="0" y="5061183"/>
+            <a:ext cx="12192000" cy="830997"/>
+          </a:xfrm>
+          <a:prstGeom prst="rect">
+            <a:avLst/>
+          </a:prstGeom>
+          <a:noFill/>
+        </p:spPr>
+        <p:txBody>
+          <a:bodyPr wrap="square" rtlCol="0">
+            <a:spAutoFit/>
+          </a:bodyPr>
+          <a:lstStyle/>
+          <a:p>
+            <a:pPr algn="ctr"/>
+            <a:r>
+              <a:rPr lang="en-US" sz="4800" b="1" dirty="0">
+                <a:solidFill>
+                  <a:srgbClr val="660033"/>
+                </a:solidFill>
+              </a:rPr>
+              <a:t>( </a:t>
+            </a:r>
+            <a:r>
+              <a:rPr lang="en-US" sz="4800" b="1" dirty="0">
+                <a:solidFill>
+                  <a:srgbClr val="660033"/>
+                </a:solidFill>
+              </a:rPr>
+              <a:t>4 </a:t>
+            </a:r>
+            <a:r>
+              <a:rPr lang="en-US" sz="4800" b="1" dirty="0">
+                <a:solidFill>
+                  <a:srgbClr val="660033"/>
+                </a:solidFill>
+              </a:rPr>
+              <a:t>)</a:t>
+            </a:r>
+            <a:endParaRPr lang="vi-VN" sz="4800" b="1" dirty="0">
+              <a:solidFill>
+                <a:srgbClr val="660033"/>
+              </a:solidFill>
+            </a:endParaRPr>
+          </a:p>
+        </p:txBody>
+      </p:sp>
+    </p:spTree>
+    <p:extLst>
+      <p:ext uri="{BB962C8B-B14F-4D97-AF65-F5344CB8AC3E}">
+        <p14:creationId xmlns:p14="http://schemas.microsoft.com/office/powerpoint/2010/main" val="3741813127"/>
+      </p:ext>
+    </p:extLst>
+  </p:cSld>
+  <p:clrMapOvr>
+    <a:masterClrMapping/>
+  </p:clrMapOvr>
+  <p:timing>
+    <p:tnLst>
+      <p:par>
+        <p:cTn id="1" dur="indefinite" restart="never" nodeType="tmRoot"/>
+      </p:par>
+    </p:tnLst>
+  </p:timing>
+</p:sld>
+</file>
+
+<file path=ppt/slides/slide15.xml><?xml version="1.0" encoding="utf-8"?>
+<p:sld xmlns:a="http://schemas.openxmlformats.org/drawingml/2006/main" xmlns:r="http://schemas.openxmlformats.org/officeDocument/2006/relationships" xmlns:p="http://schemas.openxmlformats.org/presentationml/2006/main">
+  <p:cSld>
+    <p:spTree>
+      <p:nvGrpSpPr>
+        <p:cNvPr id="1" name=""/>
+        <p:cNvGrpSpPr/>
+        <p:nvPr/>
+      </p:nvGrpSpPr>
+      <p:grpSpPr>
+        <a:xfrm>
+          <a:off x="0" y="0"/>
+          <a:ext cx="0" cy="0"/>
+          <a:chOff x="0" y="0"/>
+          <a:chExt cx="0" cy="0"/>
+        </a:xfrm>
+      </p:grpSpPr>
+      <p:sp>
+        <p:nvSpPr>
+          <p:cNvPr id="5" name="內容版面配置區 4"/>
+          <p:cNvSpPr>
+            <a:spLocks noGrp="1"/>
+          </p:cNvSpPr>
+          <p:nvPr>
+            <p:ph idx="1"/>
+          </p:nvPr>
+        </p:nvSpPr>
+        <p:spPr>
+          <a:xfrm>
+            <a:off x="0" y="2084853"/>
+            <a:ext cx="12192000" cy="2404863"/>
+          </a:xfrm>
+        </p:spPr>
+        <p:txBody>
+          <a:bodyPr anchor="ctr">
+            <a:normAutofit/>
+          </a:bodyPr>
+          <a:lstStyle/>
+          <a:p>
+            <a:pPr marL="0" indent="0" algn="ctr">
+              <a:buNone/>
+            </a:pPr>
+            <a:r>
+              <a:rPr lang="zh-TW" altLang="en-US" sz="6400" b="1" dirty="0">
+                <a:solidFill>
+                  <a:srgbClr val="660033"/>
+                </a:solidFill>
+                <a:latin typeface="Microsoft JhengHei" panose="020B0604030504040204" pitchFamily="34" charset="-120"/>
+                <a:ea typeface="Microsoft JhengHei" panose="020B0604030504040204" pitchFamily="34" charset="-120"/>
+              </a:rPr>
+              <a:t>那時接我到他身邊</a:t>
+            </a:r>
+          </a:p>
+          <a:p>
+            <a:pPr marL="0" indent="0" algn="ctr">
+              <a:buNone/>
+            </a:pPr>
+            <a:r>
+              <a:rPr lang="zh-TW" altLang="en-US" sz="6400" b="1" dirty="0">
+                <a:solidFill>
+                  <a:srgbClr val="660033"/>
+                </a:solidFill>
+                <a:latin typeface="Microsoft JhengHei" panose="020B0604030504040204" pitchFamily="34" charset="-120"/>
+                <a:ea typeface="Microsoft JhengHei" panose="020B0604030504040204" pitchFamily="34" charset="-120"/>
+              </a:rPr>
+              <a:t>與主同在聖潔無愆</a:t>
+            </a:r>
+            <a:endParaRPr lang="en-US" altLang="zh-TW" sz="6400" b="1" dirty="0">
+              <a:solidFill>
+                <a:srgbClr val="660033"/>
+              </a:solidFill>
+              <a:latin typeface="Microsoft JhengHei" panose="020B0604030504040204" pitchFamily="34" charset="-120"/>
+              <a:ea typeface="Microsoft JhengHei" panose="020B0604030504040204" pitchFamily="34" charset="-120"/>
+            </a:endParaRPr>
+          </a:p>
+        </p:txBody>
+      </p:sp>
+      <p:sp>
+        <p:nvSpPr>
+          <p:cNvPr id="3" name="TextBox 2"/>
+          <p:cNvSpPr txBox="1"/>
+          <p:nvPr/>
+        </p:nvSpPr>
+        <p:spPr>
+          <a:xfrm>
+            <a:off x="0" y="5061183"/>
+            <a:ext cx="12192000" cy="830997"/>
+          </a:xfrm>
+          <a:prstGeom prst="rect">
+            <a:avLst/>
+          </a:prstGeom>
+          <a:noFill/>
+        </p:spPr>
+        <p:txBody>
+          <a:bodyPr wrap="square" rtlCol="0">
+            <a:spAutoFit/>
+          </a:bodyPr>
+          <a:lstStyle/>
+          <a:p>
+            <a:pPr algn="ctr"/>
+            <a:r>
+              <a:rPr lang="en-US" sz="4800" b="1" dirty="0">
+                <a:solidFill>
+                  <a:srgbClr val="660033"/>
+                </a:solidFill>
+              </a:rPr>
+              <a:t>( </a:t>
+            </a:r>
+            <a:r>
+              <a:rPr lang="en-US" sz="4800" b="1" dirty="0">
+                <a:solidFill>
+                  <a:srgbClr val="660033"/>
+                </a:solidFill>
+              </a:rPr>
+              <a:t>4 </a:t>
+            </a:r>
+            <a:r>
+              <a:rPr lang="en-US" sz="4800" b="1" dirty="0">
+                <a:solidFill>
+                  <a:srgbClr val="660033"/>
+                </a:solidFill>
+              </a:rPr>
+              <a:t>)</a:t>
+            </a:r>
+            <a:endParaRPr lang="vi-VN" sz="4800" b="1" dirty="0">
+              <a:solidFill>
+                <a:srgbClr val="660033"/>
+              </a:solidFill>
+            </a:endParaRPr>
+          </a:p>
+        </p:txBody>
+      </p:sp>
+    </p:spTree>
+    <p:extLst>
+      <p:ext uri="{BB962C8B-B14F-4D97-AF65-F5344CB8AC3E}">
+        <p14:creationId xmlns:p14="http://schemas.microsoft.com/office/powerpoint/2010/main" val="726478272"/>
+      </p:ext>
+    </p:extLst>
+  </p:cSld>
+  <p:clrMapOvr>
+    <a:masterClrMapping/>
+  </p:clrMapOvr>
+  <p:timing>
+    <p:tnLst>
+      <p:par>
+        <p:cTn id="1" dur="indefinite" restart="never" nodeType="tmRoot"/>
+      </p:par>
+    </p:tnLst>
+  </p:timing>
+</p:sld>
+</file>
+
+<file path=ppt/slides/slide16.xml><?xml version="1.0" encoding="utf-8"?>
+<p:sld xmlns:a="http://schemas.openxmlformats.org/drawingml/2006/main" xmlns:r="http://schemas.openxmlformats.org/officeDocument/2006/relationships" xmlns:p="http://schemas.openxmlformats.org/presentationml/2006/main">
+  <p:cSld>
+    <p:spTree>
+      <p:nvGrpSpPr>
+        <p:cNvPr id="1" name=""/>
+        <p:cNvGrpSpPr/>
+        <p:nvPr/>
+      </p:nvGrpSpPr>
+      <p:grpSpPr>
+        <a:xfrm>
+          <a:off x="0" y="0"/>
+          <a:ext cx="0" cy="0"/>
+          <a:chOff x="0" y="0"/>
+          <a:chExt cx="0" cy="0"/>
+        </a:xfrm>
+      </p:grpSpPr>
+      <p:sp>
+        <p:nvSpPr>
+          <p:cNvPr id="5" name="內容版面配置區 4"/>
+          <p:cNvSpPr>
+            <a:spLocks noGrp="1"/>
+          </p:cNvSpPr>
+          <p:nvPr>
+            <p:ph idx="1"/>
+          </p:nvPr>
+        </p:nvSpPr>
+        <p:spPr>
+          <a:xfrm>
+            <a:off x="0" y="2084853"/>
+            <a:ext cx="12192000" cy="2404863"/>
+          </a:xfrm>
+        </p:spPr>
+        <p:txBody>
+          <a:bodyPr anchor="ctr">
+            <a:normAutofit/>
+          </a:bodyPr>
+          <a:lstStyle/>
+          <a:p>
+            <a:pPr marL="0" indent="0" algn="ctr">
+              <a:buNone/>
+            </a:pPr>
+            <a:r>
+              <a:rPr lang="zh-TW" altLang="en-US" sz="6400" b="1" dirty="0">
+                <a:solidFill>
+                  <a:srgbClr val="660033"/>
+                </a:solidFill>
+                <a:latin typeface="Microsoft JhengHei" panose="020B0604030504040204" pitchFamily="34" charset="-120"/>
+                <a:ea typeface="Microsoft JhengHei" panose="020B0604030504040204" pitchFamily="34" charset="-120"/>
+              </a:rPr>
+              <a:t>愛何大尋找我</a:t>
+            </a:r>
+          </a:p>
+          <a:p>
+            <a:pPr marL="0" indent="0" algn="ctr">
+              <a:buNone/>
+            </a:pPr>
+            <a:r>
+              <a:rPr lang="zh-TW" altLang="en-US" sz="6400" b="1" dirty="0">
+                <a:solidFill>
+                  <a:srgbClr val="660033"/>
+                </a:solidFill>
+                <a:latin typeface="Microsoft JhengHei" panose="020B0604030504040204" pitchFamily="34" charset="-120"/>
+                <a:ea typeface="Microsoft JhengHei" panose="020B0604030504040204" pitchFamily="34" charset="-120"/>
+              </a:rPr>
+              <a:t>血何寶洗淨我</a:t>
+            </a:r>
+            <a:endParaRPr lang="zh-TW" altLang="en-US" sz="6400" b="1" dirty="0">
+              <a:solidFill>
+                <a:srgbClr val="660033"/>
+              </a:solidFill>
+              <a:latin typeface="Microsoft JhengHei" panose="020B0604030504040204" pitchFamily="34" charset="-120"/>
+              <a:ea typeface="Microsoft JhengHei" panose="020B0604030504040204" pitchFamily="34" charset="-120"/>
+            </a:endParaRPr>
+          </a:p>
+        </p:txBody>
+      </p:sp>
+    </p:spTree>
+    <p:extLst>
+      <p:ext uri="{BB962C8B-B14F-4D97-AF65-F5344CB8AC3E}">
+        <p14:creationId xmlns:p14="http://schemas.microsoft.com/office/powerpoint/2010/main" val="3049213125"/>
+      </p:ext>
+    </p:extLst>
+  </p:cSld>
+  <p:clrMapOvr>
+    <a:masterClrMapping/>
+  </p:clrMapOvr>
+  <p:timing>
+    <p:tnLst>
+      <p:par>
+        <p:cTn id="1" dur="indefinite" restart="never" nodeType="tmRoot"/>
+      </p:par>
+    </p:tnLst>
+  </p:timing>
+</p:sld>
+</file>
+
+<file path=ppt/slides/slide17.xml><?xml version="1.0" encoding="utf-8"?>
+<p:sld xmlns:a="http://schemas.openxmlformats.org/drawingml/2006/main" xmlns:r="http://schemas.openxmlformats.org/officeDocument/2006/relationships" xmlns:p="http://schemas.openxmlformats.org/presentationml/2006/main">
+  <p:cSld>
+    <p:spTree>
+      <p:nvGrpSpPr>
+        <p:cNvPr id="1" name=""/>
+        <p:cNvGrpSpPr/>
+        <p:nvPr/>
+      </p:nvGrpSpPr>
+      <p:grpSpPr>
+        <a:xfrm>
+          <a:off x="0" y="0"/>
+          <a:ext cx="0" cy="0"/>
+          <a:chOff x="0" y="0"/>
+          <a:chExt cx="0" cy="0"/>
+        </a:xfrm>
+      </p:grpSpPr>
+      <p:sp>
+        <p:nvSpPr>
+          <p:cNvPr id="5" name="內容版面配置區 4"/>
+          <p:cNvSpPr>
+            <a:spLocks noGrp="1"/>
+          </p:cNvSpPr>
+          <p:nvPr>
+            <p:ph idx="1"/>
+          </p:nvPr>
+        </p:nvSpPr>
+        <p:spPr>
+          <a:xfrm>
+            <a:off x="0" y="2084853"/>
+            <a:ext cx="12192000" cy="2404863"/>
+          </a:xfrm>
+        </p:spPr>
+        <p:txBody>
+          <a:bodyPr anchor="ctr">
+            <a:normAutofit/>
+          </a:bodyPr>
+          <a:lstStyle/>
+          <a:p>
+            <a:pPr marL="0" indent="0" algn="ctr">
+              <a:buNone/>
+            </a:pPr>
+            <a:r>
+              <a:rPr lang="zh-TW" altLang="en-US" sz="6400" b="1" dirty="0">
+                <a:solidFill>
+                  <a:srgbClr val="660033"/>
+                </a:solidFill>
+                <a:latin typeface="Microsoft JhengHei" panose="020B0604030504040204" pitchFamily="34" charset="-120"/>
+                <a:ea typeface="Microsoft JhengHei" panose="020B0604030504040204" pitchFamily="34" charset="-120"/>
+              </a:rPr>
+              <a:t>恩何寬領我歸</a:t>
+            </a:r>
+            <a:r>
+              <a:rPr lang="zh-CN" altLang="zh-TW" sz="6400" b="1" dirty="0">
+                <a:solidFill>
+                  <a:srgbClr val="660033"/>
+                </a:solidFill>
+                <a:latin typeface="Microsoft JhengHei" panose="020B0604030504040204" pitchFamily="34" charset="-120"/>
+                <a:ea typeface="Microsoft JhengHei" panose="020B0604030504040204" pitchFamily="34" charset="-120"/>
+              </a:rPr>
+              <a:t>回群</a:t>
+            </a:r>
+            <a:r>
+              <a:rPr lang="zh-TW" altLang="en-US" sz="6400" b="1" dirty="0">
+                <a:solidFill>
+                  <a:srgbClr val="660033"/>
+                </a:solidFill>
+                <a:latin typeface="Microsoft JhengHei" panose="020B0604030504040204" pitchFamily="34" charset="-120"/>
+                <a:ea typeface="Microsoft JhengHei" panose="020B0604030504040204" pitchFamily="34" charset="-120"/>
+              </a:rPr>
+              <a:t>中</a:t>
+            </a:r>
+          </a:p>
+          <a:p>
+            <a:pPr marL="0" indent="0" algn="ctr">
+              <a:buNone/>
+            </a:pPr>
+            <a:r>
+              <a:rPr lang="zh-TW" altLang="en-US" sz="6400" b="1" dirty="0">
+                <a:solidFill>
+                  <a:srgbClr val="660033"/>
+                </a:solidFill>
+                <a:latin typeface="Microsoft JhengHei" panose="020B0604030504040204" pitchFamily="34" charset="-120"/>
+                <a:ea typeface="Microsoft JhengHei" panose="020B0604030504040204" pitchFamily="34" charset="-120"/>
+              </a:rPr>
+              <a:t>恩何寬領我歸</a:t>
+            </a:r>
+            <a:r>
+              <a:rPr lang="zh-CN" altLang="zh-TW" sz="6400" b="1" dirty="0">
+                <a:solidFill>
+                  <a:srgbClr val="660033"/>
+                </a:solidFill>
+                <a:latin typeface="Microsoft JhengHei" panose="020B0604030504040204" pitchFamily="34" charset="-120"/>
+                <a:ea typeface="Microsoft JhengHei" panose="020B0604030504040204" pitchFamily="34" charset="-120"/>
+              </a:rPr>
+              <a:t>回群</a:t>
+            </a:r>
+            <a:r>
+              <a:rPr lang="zh-TW" altLang="en-US" sz="6400" b="1" dirty="0">
+                <a:solidFill>
+                  <a:srgbClr val="660033"/>
+                </a:solidFill>
+                <a:latin typeface="Microsoft JhengHei" panose="020B0604030504040204" pitchFamily="34" charset="-120"/>
+                <a:ea typeface="Microsoft JhengHei" panose="020B0604030504040204" pitchFamily="34" charset="-120"/>
+              </a:rPr>
+              <a:t>中</a:t>
+            </a:r>
+            <a:endParaRPr lang="zh-TW" altLang="en-US" sz="6400" b="1" dirty="0">
+              <a:solidFill>
+                <a:srgbClr val="660033"/>
+              </a:solidFill>
+              <a:latin typeface="Microsoft JhengHei" panose="020B0604030504040204" pitchFamily="34" charset="-120"/>
+              <a:ea typeface="Microsoft JhengHei" panose="020B0604030504040204" pitchFamily="34" charset="-120"/>
+            </a:endParaRPr>
+          </a:p>
+        </p:txBody>
+      </p:sp>
+    </p:spTree>
+    <p:extLst>
+      <p:ext uri="{BB962C8B-B14F-4D97-AF65-F5344CB8AC3E}">
+        <p14:creationId xmlns:p14="http://schemas.microsoft.com/office/powerpoint/2010/main" val="2885738134"/>
+      </p:ext>
+    </p:extLst>
+  </p:cSld>
+  <p:clrMapOvr>
+    <a:masterClrMapping/>
+  </p:clrMapOvr>
+  <p:timing>
+    <p:tnLst>
+      <p:par>
+        <p:cTn id="1" dur="indefinite" restart="never" nodeType="tmRoot"/>
+      </p:par>
+    </p:tnLst>
+  </p:timing>
 </p:sld>
 </file>
 
@@ -4009,182 +5036,167 @@
       </p:grpSpPr>
       <p:sp>
         <p:nvSpPr>
-          <p:cNvPr id="4" name="Title 3"/>
-          <p:cNvSpPr>
-            <a:spLocks noGrp="1"/>
-          </p:cNvSpPr>
-          <p:nvPr>
-            <p:ph type="title"/>
-          </p:nvPr>
-        </p:nvSpPr>
-        <p:spPr/>
-        <p:txBody>
-          <a:bodyPr>
+          <p:cNvPr id="5" name="內容版面配置區 4"/>
+          <p:cNvSpPr>
+            <a:spLocks noGrp="1"/>
+          </p:cNvSpPr>
+          <p:nvPr>
+            <p:ph idx="1"/>
+          </p:nvPr>
+        </p:nvSpPr>
+        <p:spPr>
+          <a:xfrm>
+            <a:off x="0" y="2084853"/>
+            <a:ext cx="12192000" cy="2404863"/>
+          </a:xfrm>
+        </p:spPr>
+        <p:txBody>
+          <a:bodyPr anchor="ctr">
             <a:normAutofit/>
           </a:bodyPr>
           <a:lstStyle/>
           <a:p>
-            <a:r>
-              <a:rPr lang="en-US" altLang="zh-CN" sz="4800" b="1" dirty="0">
+            <a:pPr marL="0" indent="0" algn="ctr">
+              <a:buNone/>
+            </a:pPr>
+            <a:r>
+              <a:rPr lang="zh-TW" altLang="en-US" sz="6400" b="1" dirty="0">
                 <a:solidFill>
                   <a:srgbClr val="660033"/>
                 </a:solidFill>
                 <a:latin typeface="Microsoft JhengHei" panose="020B0604030504040204" pitchFamily="34" charset="-120"/>
                 <a:ea typeface="Microsoft JhengHei" panose="020B0604030504040204" pitchFamily="34" charset="-120"/>
               </a:rPr>
-              <a:t>【</a:t>
-            </a:r>
-            <a:r>
-              <a:rPr lang="zh-CN" altLang="en-US" sz="4800" b="1" dirty="0">
+              <a:t>主發慈愛尋找我   疲倦在罪惡間</a:t>
+            </a:r>
+            <a:endParaRPr lang="en-US" altLang="zh-TW" sz="6400" b="1" dirty="0">
+              <a:solidFill>
+                <a:srgbClr val="660033"/>
+              </a:solidFill>
+              <a:latin typeface="Microsoft JhengHei" panose="020B0604030504040204" pitchFamily="34" charset="-120"/>
+              <a:ea typeface="Microsoft JhengHei" panose="020B0604030504040204" pitchFamily="34" charset="-120"/>
+            </a:endParaRPr>
+          </a:p>
+          <a:p>
+            <a:pPr marL="0" indent="0" algn="ctr">
+              <a:buNone/>
+            </a:pPr>
+            <a:r>
+              <a:rPr lang="zh-TW" altLang="en-US" sz="6400" b="1" dirty="0">
                 <a:solidFill>
                   <a:srgbClr val="660033"/>
                 </a:solidFill>
                 <a:latin typeface="Microsoft JhengHei" panose="020B0604030504040204" pitchFamily="34" charset="-120"/>
                 <a:ea typeface="Microsoft JhengHei" panose="020B0604030504040204" pitchFamily="34" charset="-120"/>
               </a:rPr>
-              <a:t>妙愛找我</a:t>
-            </a:r>
-            <a:r>
-              <a:rPr lang="en-US" altLang="zh-CN" sz="4800" b="1" dirty="0">
+              <a:t>便顯大能懷抱我</a:t>
+            </a:r>
+            <a:r>
+              <a:rPr lang="en-US" altLang="zh-TW" sz="6400" b="1" dirty="0">
                 <a:solidFill>
                   <a:srgbClr val="660033"/>
                 </a:solidFill>
                 <a:latin typeface="Microsoft JhengHei" panose="020B0604030504040204" pitchFamily="34" charset="-120"/>
                 <a:ea typeface="Microsoft JhengHei" panose="020B0604030504040204" pitchFamily="34" charset="-120"/>
               </a:rPr>
-              <a:t>】</a:t>
-            </a:r>
-          </a:p>
-        </p:txBody>
-      </p:sp>
-      <p:sp>
-        <p:nvSpPr>
-          <p:cNvPr id="5" name="Content Placeholder 4"/>
-          <p:cNvSpPr>
-            <a:spLocks noGrp="1"/>
-          </p:cNvSpPr>
-          <p:nvPr>
-            <p:ph idx="1"/>
-          </p:nvPr>
-        </p:nvSpPr>
-        <p:spPr/>
-        <p:txBody>
-          <a:bodyPr>
-            <a:noAutofit/>
-          </a:bodyPr>
-          <a:lstStyle/>
-          <a:p>
-            <a:pPr marL="0" indent="0" algn="ctr">
-              <a:buNone/>
-            </a:pPr>
-            <a:r>
-              <a:rPr lang="zh-TW" altLang="en-US" sz="5400" b="1" dirty="0">
+              <a:t>   </a:t>
+            </a:r>
+            <a:r>
+              <a:rPr lang="zh-TW" altLang="en-US" sz="6400" b="1" dirty="0">
                 <a:solidFill>
                   <a:srgbClr val="660033"/>
                 </a:solidFill>
                 <a:latin typeface="Microsoft JhengHei" panose="020B0604030504040204" pitchFamily="34" charset="-120"/>
                 <a:ea typeface="Microsoft JhengHei" panose="020B0604030504040204" pitchFamily="34" charset="-120"/>
               </a:rPr>
-              <a:t>愛何大尋找我</a:t>
-            </a:r>
-          </a:p>
-          <a:p>
-            <a:pPr marL="0" indent="0" algn="ctr">
-              <a:buNone/>
-            </a:pPr>
-            <a:r>
-              <a:rPr lang="zh-TW" altLang="en-US" sz="5400" b="1" dirty="0">
+              <a:t>安放羊</a:t>
+            </a:r>
+            <a:r>
+              <a:rPr lang="zh-CN" altLang="zh-TW" sz="6400" b="1" dirty="0">
                 <a:solidFill>
                   <a:srgbClr val="660033"/>
                 </a:solidFill>
                 <a:latin typeface="Microsoft JhengHei" panose="020B0604030504040204" pitchFamily="34" charset="-120"/>
                 <a:ea typeface="Microsoft JhengHei" panose="020B0604030504040204" pitchFamily="34" charset="-120"/>
               </a:rPr>
-              <a:t>血何寶洗淨我</a:t>
-            </a:r>
-          </a:p>
-          <a:p>
-            <a:pPr marL="0" indent="0" algn="ctr">
-              <a:buNone/>
-            </a:pPr>
-            <a:r>
-              <a:rPr lang="zh-TW" altLang="en-US" sz="5400" b="1" dirty="0">
+              <a:t>群</a:t>
+            </a:r>
+            <a:r>
+              <a:rPr lang="zh-TW" altLang="en-US" sz="6400" b="1" dirty="0">
                 <a:solidFill>
                   <a:srgbClr val="660033"/>
                 </a:solidFill>
                 <a:latin typeface="Microsoft JhengHei" panose="020B0604030504040204" pitchFamily="34" charset="-120"/>
                 <a:ea typeface="Microsoft JhengHei" panose="020B0604030504040204" pitchFamily="34" charset="-120"/>
               </a:rPr>
-              <a:t>恩何寬領我歸</a:t>
-            </a:r>
-            <a:r>
-              <a:rPr lang="zh-CN" altLang="zh-TW" sz="5400" b="1" dirty="0">
-                <a:solidFill>
-                  <a:srgbClr val="660033"/>
-                </a:solidFill>
-                <a:latin typeface="Microsoft JhengHei" panose="020B0604030504040204" pitchFamily="34" charset="-120"/>
-                <a:ea typeface="Microsoft JhengHei" panose="020B0604030504040204" pitchFamily="34" charset="-120"/>
-              </a:rPr>
-              <a:t>回群</a:t>
-            </a:r>
-            <a:r>
-              <a:rPr lang="zh-TW" altLang="en-US" sz="5400" b="1" dirty="0">
-                <a:solidFill>
-                  <a:srgbClr val="660033"/>
-                </a:solidFill>
-                <a:latin typeface="Microsoft JhengHei" panose="020B0604030504040204" pitchFamily="34" charset="-120"/>
-                <a:ea typeface="Microsoft JhengHei" panose="020B0604030504040204" pitchFamily="34" charset="-120"/>
-              </a:rPr>
-              <a:t>中</a:t>
-            </a:r>
-          </a:p>
-          <a:p>
-            <a:pPr marL="0" indent="0" algn="ctr">
-              <a:buNone/>
-            </a:pPr>
-            <a:r>
-              <a:rPr lang="zh-TW" altLang="en-US" sz="5400" b="1" dirty="0">
-                <a:solidFill>
-                  <a:srgbClr val="660033"/>
-                </a:solidFill>
-                <a:latin typeface="Microsoft JhengHei" panose="020B0604030504040204" pitchFamily="34" charset="-120"/>
-                <a:ea typeface="Microsoft JhengHei" panose="020B0604030504040204" pitchFamily="34" charset="-120"/>
-              </a:rPr>
-              <a:t>恩何寬領我歸</a:t>
-            </a:r>
-            <a:r>
-              <a:rPr lang="zh-CN" altLang="zh-TW" sz="5400" b="1" dirty="0">
-                <a:solidFill>
-                  <a:srgbClr val="660033"/>
-                </a:solidFill>
-                <a:latin typeface="Microsoft JhengHei" panose="020B0604030504040204" pitchFamily="34" charset="-120"/>
-                <a:ea typeface="Microsoft JhengHei" panose="020B0604030504040204" pitchFamily="34" charset="-120"/>
-              </a:rPr>
-              <a:t>回群</a:t>
-            </a:r>
-            <a:r>
-              <a:rPr lang="zh-TW" altLang="en-US" sz="5400" b="1" dirty="0">
-                <a:solidFill>
-                  <a:srgbClr val="660033"/>
-                </a:solidFill>
-                <a:latin typeface="Microsoft JhengHei" panose="020B0604030504040204" pitchFamily="34" charset="-120"/>
-                <a:ea typeface="Microsoft JhengHei" panose="020B0604030504040204" pitchFamily="34" charset="-120"/>
-              </a:rPr>
-              <a:t>中</a:t>
-            </a:r>
+              <a:t>裏邊</a:t>
+            </a:r>
+            <a:endParaRPr lang="en-US" altLang="zh-TW" sz="6400" b="1" dirty="0">
+              <a:solidFill>
+                <a:srgbClr val="660033"/>
+              </a:solidFill>
+              <a:latin typeface="Microsoft JhengHei" panose="020B0604030504040204" pitchFamily="34" charset="-120"/>
+              <a:ea typeface="Microsoft JhengHei" panose="020B0604030504040204" pitchFamily="34" charset="-120"/>
+            </a:endParaRPr>
+          </a:p>
+        </p:txBody>
+      </p:sp>
+      <p:sp>
+        <p:nvSpPr>
+          <p:cNvPr id="3" name="TextBox 2"/>
+          <p:cNvSpPr txBox="1"/>
+          <p:nvPr/>
+        </p:nvSpPr>
+        <p:spPr>
+          <a:xfrm>
+            <a:off x="0" y="5061183"/>
+            <a:ext cx="12192000" cy="830997"/>
+          </a:xfrm>
+          <a:prstGeom prst="rect">
+            <a:avLst/>
+          </a:prstGeom>
+          <a:noFill/>
+        </p:spPr>
+        <p:txBody>
+          <a:bodyPr wrap="square" rtlCol="0">
+            <a:spAutoFit/>
+          </a:bodyPr>
+          <a:lstStyle/>
+          <a:p>
+            <a:pPr algn="ctr"/>
+            <a:r>
+              <a:rPr lang="en-US" sz="4800" b="1" dirty="0">
+                <a:solidFill>
+                  <a:srgbClr val="660033"/>
+                </a:solidFill>
+              </a:rPr>
+              <a:t>( 1 )</a:t>
+            </a:r>
+            <a:endParaRPr lang="vi-VN" sz="4800" b="1" dirty="0">
+              <a:solidFill>
+                <a:srgbClr val="660033"/>
+              </a:solidFill>
+            </a:endParaRPr>
           </a:p>
         </p:txBody>
       </p:sp>
     </p:spTree>
     <p:extLst>
       <p:ext uri="{BB962C8B-B14F-4D97-AF65-F5344CB8AC3E}">
-        <p14:creationId xmlns:p14="http://schemas.microsoft.com/office/powerpoint/2010/main" val="3406113452"/>
+        <p14:creationId xmlns:p14="http://schemas.microsoft.com/office/powerpoint/2010/main" val="12371560"/>
       </p:ext>
     </p:extLst>
   </p:cSld>
   <p:clrMapOvr>
     <a:masterClrMapping/>
   </p:clrMapOvr>
+  <p:timing>
+    <p:tnLst>
+      <p:par>
+        <p:cTn id="1" dur="indefinite" restart="never" nodeType="tmRoot"/>
+      </p:par>
+    </p:tnLst>
+  </p:timing>
 </p:sld>
 </file>
 
@@ -4207,245 +5219,89 @@
       </p:grpSpPr>
       <p:sp>
         <p:nvSpPr>
-          <p:cNvPr id="4" name="Title 3"/>
-          <p:cNvSpPr>
-            <a:spLocks noGrp="1"/>
-          </p:cNvSpPr>
-          <p:nvPr>
-            <p:ph type="title"/>
-          </p:nvPr>
-        </p:nvSpPr>
-        <p:spPr/>
-        <p:txBody>
-          <a:bodyPr>
+          <p:cNvPr id="5" name="內容版面配置區 4"/>
+          <p:cNvSpPr>
+            <a:spLocks noGrp="1"/>
+          </p:cNvSpPr>
+          <p:nvPr>
+            <p:ph idx="1"/>
+          </p:nvPr>
+        </p:nvSpPr>
+        <p:spPr>
+          <a:xfrm>
+            <a:off x="0" y="2084853"/>
+            <a:ext cx="12192000" cy="2404863"/>
+          </a:xfrm>
+        </p:spPr>
+        <p:txBody>
+          <a:bodyPr anchor="ctr">
             <a:normAutofit/>
           </a:bodyPr>
           <a:lstStyle/>
           <a:p>
-            <a:r>
-              <a:rPr lang="en-US" altLang="zh-CN" sz="4800" b="1" dirty="0">
+            <a:pPr marL="0" indent="0" algn="ctr">
+              <a:buNone/>
+            </a:pPr>
+            <a:r>
+              <a:rPr lang="zh-TW" altLang="en-US" sz="6400" b="1" dirty="0">
                 <a:solidFill>
                   <a:srgbClr val="660033"/>
                 </a:solidFill>
                 <a:latin typeface="Microsoft JhengHei" panose="020B0604030504040204" pitchFamily="34" charset="-120"/>
                 <a:ea typeface="Microsoft JhengHei" panose="020B0604030504040204" pitchFamily="34" charset="-120"/>
               </a:rPr>
-              <a:t>【</a:t>
-            </a:r>
-            <a:r>
-              <a:rPr lang="zh-CN" altLang="en-US" sz="4800" b="1" dirty="0">
+              <a:t>激動天使歡欣歌唱</a:t>
+            </a:r>
+          </a:p>
+          <a:p>
+            <a:pPr marL="0" indent="0" algn="ctr">
+              <a:buNone/>
+            </a:pPr>
+            <a:r>
+              <a:rPr lang="zh-TW" altLang="en-US" sz="6400" b="1" dirty="0">
                 <a:solidFill>
                   <a:srgbClr val="660033"/>
                 </a:solidFill>
                 <a:latin typeface="Microsoft JhengHei" panose="020B0604030504040204" pitchFamily="34" charset="-120"/>
                 <a:ea typeface="Microsoft JhengHei" panose="020B0604030504040204" pitchFamily="34" charset="-120"/>
               </a:rPr>
-              <a:t>妙愛找我</a:t>
-            </a:r>
-            <a:r>
-              <a:rPr lang="en-US" altLang="zh-CN" sz="4800" b="1" dirty="0">
-                <a:solidFill>
-                  <a:srgbClr val="660033"/>
-                </a:solidFill>
-                <a:latin typeface="Microsoft JhengHei" panose="020B0604030504040204" pitchFamily="34" charset="-120"/>
-                <a:ea typeface="Microsoft JhengHei" panose="020B0604030504040204" pitchFamily="34" charset="-120"/>
-              </a:rPr>
-              <a:t>】</a:t>
-            </a:r>
-          </a:p>
-        </p:txBody>
-      </p:sp>
-      <p:sp>
-        <p:nvSpPr>
-          <p:cNvPr id="5" name="Content Placeholder 4"/>
-          <p:cNvSpPr>
-            <a:spLocks noGrp="1"/>
-          </p:cNvSpPr>
-          <p:nvPr>
-            <p:ph idx="1"/>
-          </p:nvPr>
-        </p:nvSpPr>
-        <p:spPr/>
-        <p:txBody>
-          <a:bodyPr>
-            <a:noAutofit/>
-          </a:bodyPr>
-          <a:lstStyle/>
-          <a:p>
-            <a:pPr marL="0" indent="0" algn="ctr">
-              <a:buNone/>
-            </a:pPr>
-            <a:r>
-              <a:rPr lang="zh-TW" altLang="en-US" sz="5400" b="1" dirty="0">
-                <a:solidFill>
-                  <a:srgbClr val="660033"/>
-                </a:solidFill>
-                <a:latin typeface="Microsoft JhengHei" panose="020B0604030504040204" pitchFamily="34" charset="-120"/>
-                <a:ea typeface="Microsoft JhengHei" panose="020B0604030504040204" pitchFamily="34" charset="-120"/>
-              </a:rPr>
-              <a:t>主看見我受損傷</a:t>
-            </a:r>
-          </a:p>
-          <a:p>
-            <a:pPr marL="0" indent="0" algn="ctr">
-              <a:buNone/>
-            </a:pPr>
-            <a:r>
-              <a:rPr lang="zh-TW" altLang="en-US" sz="5400" b="1" dirty="0">
-                <a:solidFill>
-                  <a:srgbClr val="660033"/>
-                </a:solidFill>
-                <a:latin typeface="Microsoft JhengHei" panose="020B0604030504040204" pitchFamily="34" charset="-120"/>
-                <a:ea typeface="Microsoft JhengHei" panose="020B0604030504040204" pitchFamily="34" charset="-120"/>
-              </a:rPr>
-              <a:t>用油和酒包裹</a:t>
-            </a:r>
-          </a:p>
-          <a:p>
-            <a:pPr marL="0" indent="0" algn="ctr">
-              <a:buNone/>
-            </a:pPr>
-            <a:r>
-              <a:rPr lang="zh-TW" altLang="en-US" sz="5400" b="1" dirty="0">
-                <a:solidFill>
-                  <a:srgbClr val="660033"/>
-                </a:solidFill>
-                <a:latin typeface="Microsoft JhengHei" panose="020B0604030504040204" pitchFamily="34" charset="-120"/>
-                <a:ea typeface="Microsoft JhengHei" panose="020B0604030504040204" pitchFamily="34" charset="-120"/>
-              </a:rPr>
-              <a:t>又以恩言安慰</a:t>
-            </a:r>
-            <a:r>
-              <a:rPr lang="zh-TW" altLang="en-US" sz="5400" b="1" dirty="0">
-                <a:solidFill>
-                  <a:srgbClr val="660033"/>
-                </a:solidFill>
-                <a:latin typeface="Microsoft JhengHei" panose="020B0604030504040204" pitchFamily="34" charset="-120"/>
-                <a:ea typeface="Microsoft JhengHei" panose="020B0604030504040204" pitchFamily="34" charset="-120"/>
-              </a:rPr>
-              <a:t>我  就</a:t>
-            </a:r>
-            <a:r>
-              <a:rPr lang="zh-TW" altLang="en-US" sz="5400" b="1" dirty="0">
-                <a:solidFill>
-                  <a:srgbClr val="660033"/>
-                </a:solidFill>
-                <a:latin typeface="Microsoft JhengHei" panose="020B0604030504040204" pitchFamily="34" charset="-120"/>
-                <a:ea typeface="Microsoft JhengHei" panose="020B0604030504040204" pitchFamily="34" charset="-120"/>
-              </a:rPr>
-              <a:t>說你永屬</a:t>
-            </a:r>
-            <a:r>
-              <a:rPr lang="zh-TW" altLang="en-US" sz="5400" b="1" dirty="0">
-                <a:solidFill>
-                  <a:srgbClr val="660033"/>
-                </a:solidFill>
-                <a:latin typeface="Microsoft JhengHei" panose="020B0604030504040204" pitchFamily="34" charset="-120"/>
-                <a:ea typeface="Microsoft JhengHei" panose="020B0604030504040204" pitchFamily="34" charset="-120"/>
-              </a:rPr>
-              <a:t>我</a:t>
-            </a:r>
-            <a:endParaRPr lang="en-US" altLang="zh-TW" sz="5400" b="1" dirty="0">
-              <a:solidFill>
-                <a:srgbClr val="660033"/>
-              </a:solidFill>
-              <a:latin typeface="Microsoft JhengHei" panose="020B0604030504040204" pitchFamily="34" charset="-120"/>
-              <a:ea typeface="Microsoft JhengHei" panose="020B0604030504040204" pitchFamily="34" charset="-120"/>
-            </a:endParaRPr>
-          </a:p>
-          <a:p>
-            <a:pPr marL="0" indent="0" algn="ctr">
-              <a:buNone/>
-            </a:pPr>
-            <a:r>
-              <a:rPr lang="zh-TW" altLang="en-US" sz="5400" b="1" dirty="0">
-                <a:solidFill>
-                  <a:srgbClr val="660033"/>
-                </a:solidFill>
-                <a:latin typeface="Microsoft JhengHei" panose="020B0604030504040204" pitchFamily="34" charset="-120"/>
-                <a:ea typeface="Microsoft JhengHei" panose="020B0604030504040204" pitchFamily="34" charset="-120"/>
-              </a:rPr>
-              <a:t>我未曾聽如此佳音</a:t>
-            </a:r>
-          </a:p>
-          <a:p>
-            <a:pPr marL="0" indent="0" algn="ctr">
-              <a:buNone/>
-            </a:pPr>
-            <a:r>
-              <a:rPr lang="zh-TW" altLang="en-US" sz="5400" b="1" dirty="0">
-                <a:solidFill>
-                  <a:srgbClr val="660033"/>
-                </a:solidFill>
-                <a:latin typeface="Microsoft JhengHei" panose="020B0604030504040204" pitchFamily="34" charset="-120"/>
-                <a:ea typeface="Microsoft JhengHei" panose="020B0604030504040204" pitchFamily="34" charset="-120"/>
-              </a:rPr>
-              <a:t>能叫我心滿足歡</a:t>
-            </a:r>
-            <a:r>
-              <a:rPr lang="zh-TW" altLang="en-US" sz="5400" b="1" dirty="0">
-                <a:solidFill>
-                  <a:srgbClr val="660033"/>
-                </a:solidFill>
-                <a:latin typeface="Microsoft JhengHei" panose="020B0604030504040204" pitchFamily="34" charset="-120"/>
-                <a:ea typeface="Microsoft JhengHei" panose="020B0604030504040204" pitchFamily="34" charset="-120"/>
-              </a:rPr>
-              <a:t>欣</a:t>
-            </a:r>
-            <a:endParaRPr lang="zh-TW" altLang="en-US" sz="5400" b="1" dirty="0">
-              <a:solidFill>
-                <a:srgbClr val="660033"/>
-              </a:solidFill>
-              <a:latin typeface="Microsoft JhengHei" panose="020B0604030504040204" pitchFamily="34" charset="-120"/>
-              <a:ea typeface="Microsoft JhengHei" panose="020B0604030504040204" pitchFamily="34" charset="-120"/>
-            </a:endParaRPr>
-          </a:p>
-        </p:txBody>
-      </p:sp>
-      <p:sp>
-        <p:nvSpPr>
-          <p:cNvPr id="6" name="Text Box 1"/>
+              <a:t>甚至歌聲滿天應響</a:t>
+            </a:r>
+          </a:p>
+        </p:txBody>
+      </p:sp>
+      <p:sp>
+        <p:nvSpPr>
+          <p:cNvPr id="3" name="TextBox 2"/>
           <p:cNvSpPr txBox="1"/>
           <p:nvPr/>
         </p:nvSpPr>
         <p:spPr>
           <a:xfrm>
-            <a:off x="1199456" y="1700808"/>
-            <a:ext cx="1161268" cy="923330"/>
+            <a:off x="0" y="5061183"/>
+            <a:ext cx="12192000" cy="830997"/>
           </a:xfrm>
           <a:prstGeom prst="rect">
             <a:avLst/>
           </a:prstGeom>
           <a:noFill/>
-          <a:ln w="9525">
-            <a:noFill/>
-            <a:miter lim="800000"/>
-          </a:ln>
         </p:spPr>
         <p:txBody>
-          <a:bodyPr wrap="square">
+          <a:bodyPr wrap="square" rtlCol="0">
             <a:spAutoFit/>
           </a:bodyPr>
           <a:lstStyle/>
           <a:p>
             <a:pPr algn="ctr"/>
             <a:r>
-              <a:rPr lang="en-US" sz="5400" b="1" dirty="0">
-                <a:solidFill>
-                  <a:srgbClr val="660033"/>
-                </a:solidFill>
-              </a:rPr>
-              <a:t>2</a:t>
-            </a:r>
-            <a:r>
-              <a:rPr lang="en-US" sz="5400" b="1" dirty="0" smtClean="0">
-                <a:solidFill>
-                  <a:srgbClr val="660033"/>
-                </a:solidFill>
-              </a:rPr>
-              <a:t>.</a:t>
-            </a:r>
-            <a:endParaRPr lang="en-US" sz="5400" b="1" dirty="0">
+              <a:rPr lang="en-US" sz="4800" b="1" dirty="0">
+                <a:solidFill>
+                  <a:srgbClr val="660033"/>
+                </a:solidFill>
+              </a:rPr>
+              <a:t>( 1 )</a:t>
+            </a:r>
+            <a:endParaRPr lang="vi-VN" sz="4800" b="1" dirty="0">
               <a:solidFill>
                 <a:srgbClr val="660033"/>
               </a:solidFill>
@@ -4456,13 +5312,20 @@
     </p:spTree>
     <p:extLst>
       <p:ext uri="{BB962C8B-B14F-4D97-AF65-F5344CB8AC3E}">
-        <p14:creationId xmlns:p14="http://schemas.microsoft.com/office/powerpoint/2010/main" val="2763348206"/>
+        <p14:creationId xmlns:p14="http://schemas.microsoft.com/office/powerpoint/2010/main" val="2101187192"/>
       </p:ext>
     </p:extLst>
   </p:cSld>
   <p:clrMapOvr>
     <a:masterClrMapping/>
   </p:clrMapOvr>
+  <p:timing>
+    <p:tnLst>
+      <p:par>
+        <p:cTn id="1" dur="indefinite" restart="never" nodeType="tmRoot"/>
+      </p:par>
+    </p:tnLst>
+  </p:timing>
 </p:sld>
 </file>
 
@@ -4485,182 +5348,81 @@
       </p:grpSpPr>
       <p:sp>
         <p:nvSpPr>
-          <p:cNvPr id="4" name="Title 3"/>
-          <p:cNvSpPr>
-            <a:spLocks noGrp="1"/>
-          </p:cNvSpPr>
-          <p:nvPr>
-            <p:ph type="title"/>
-          </p:nvPr>
-        </p:nvSpPr>
-        <p:spPr/>
-        <p:txBody>
-          <a:bodyPr>
+          <p:cNvPr id="5" name="內容版面配置區 4"/>
+          <p:cNvSpPr>
+            <a:spLocks noGrp="1"/>
+          </p:cNvSpPr>
+          <p:nvPr>
+            <p:ph idx="1"/>
+          </p:nvPr>
+        </p:nvSpPr>
+        <p:spPr>
+          <a:xfrm>
+            <a:off x="0" y="2084853"/>
+            <a:ext cx="12192000" cy="2404863"/>
+          </a:xfrm>
+        </p:spPr>
+        <p:txBody>
+          <a:bodyPr anchor="ctr">
             <a:normAutofit/>
           </a:bodyPr>
           <a:lstStyle/>
           <a:p>
-            <a:r>
-              <a:rPr lang="en-US" altLang="zh-CN" sz="4800" b="1" dirty="0">
+            <a:pPr marL="0" indent="0" algn="ctr">
+              <a:buNone/>
+            </a:pPr>
+            <a:r>
+              <a:rPr lang="zh-TW" altLang="en-US" sz="6400" b="1" dirty="0">
                 <a:solidFill>
                   <a:srgbClr val="660033"/>
                 </a:solidFill>
                 <a:latin typeface="Microsoft JhengHei" panose="020B0604030504040204" pitchFamily="34" charset="-120"/>
                 <a:ea typeface="Microsoft JhengHei" panose="020B0604030504040204" pitchFamily="34" charset="-120"/>
               </a:rPr>
-              <a:t>【</a:t>
-            </a:r>
-            <a:r>
-              <a:rPr lang="zh-CN" altLang="en-US" sz="4800" b="1" dirty="0">
+              <a:t>愛何大尋找我</a:t>
+            </a:r>
+          </a:p>
+          <a:p>
+            <a:pPr marL="0" indent="0" algn="ctr">
+              <a:buNone/>
+            </a:pPr>
+            <a:r>
+              <a:rPr lang="zh-TW" altLang="en-US" sz="6400" b="1" dirty="0">
                 <a:solidFill>
                   <a:srgbClr val="660033"/>
                 </a:solidFill>
                 <a:latin typeface="Microsoft JhengHei" panose="020B0604030504040204" pitchFamily="34" charset="-120"/>
                 <a:ea typeface="Microsoft JhengHei" panose="020B0604030504040204" pitchFamily="34" charset="-120"/>
               </a:rPr>
-              <a:t>妙愛找我</a:t>
-            </a:r>
-            <a:r>
-              <a:rPr lang="en-US" altLang="zh-CN" sz="4800" b="1" dirty="0">
-                <a:solidFill>
-                  <a:srgbClr val="660033"/>
-                </a:solidFill>
-                <a:latin typeface="Microsoft JhengHei" panose="020B0604030504040204" pitchFamily="34" charset="-120"/>
-                <a:ea typeface="Microsoft JhengHei" panose="020B0604030504040204" pitchFamily="34" charset="-120"/>
-              </a:rPr>
-              <a:t>】</a:t>
-            </a:r>
-          </a:p>
-        </p:txBody>
-      </p:sp>
-      <p:sp>
-        <p:nvSpPr>
-          <p:cNvPr id="5" name="Content Placeholder 4"/>
-          <p:cNvSpPr>
-            <a:spLocks noGrp="1"/>
-          </p:cNvSpPr>
-          <p:nvPr>
-            <p:ph idx="1"/>
-          </p:nvPr>
-        </p:nvSpPr>
-        <p:spPr/>
-        <p:txBody>
-          <a:bodyPr>
-            <a:noAutofit/>
-          </a:bodyPr>
-          <a:lstStyle/>
-          <a:p>
-            <a:pPr marL="0" indent="0" algn="ctr">
-              <a:buNone/>
-            </a:pPr>
-            <a:r>
-              <a:rPr lang="zh-TW" altLang="en-US" sz="5400" b="1" dirty="0">
-                <a:solidFill>
-                  <a:srgbClr val="660033"/>
-                </a:solidFill>
-                <a:latin typeface="Microsoft JhengHei" panose="020B0604030504040204" pitchFamily="34" charset="-120"/>
-                <a:ea typeface="Microsoft JhengHei" panose="020B0604030504040204" pitchFamily="34" charset="-120"/>
-              </a:rPr>
-              <a:t>愛何大尋找我</a:t>
-            </a:r>
-          </a:p>
-          <a:p>
-            <a:pPr marL="0" indent="0" algn="ctr">
-              <a:buNone/>
-            </a:pPr>
-            <a:r>
-              <a:rPr lang="zh-TW" altLang="en-US" sz="5400" b="1" dirty="0">
-                <a:solidFill>
-                  <a:srgbClr val="660033"/>
-                </a:solidFill>
-                <a:latin typeface="Microsoft JhengHei" panose="020B0604030504040204" pitchFamily="34" charset="-120"/>
-                <a:ea typeface="Microsoft JhengHei" panose="020B0604030504040204" pitchFamily="34" charset="-120"/>
-              </a:rPr>
               <a:t>血何寶洗淨我</a:t>
             </a:r>
-          </a:p>
-          <a:p>
-            <a:pPr marL="0" indent="0" algn="ctr">
-              <a:buNone/>
-            </a:pPr>
-            <a:r>
-              <a:rPr lang="zh-TW" altLang="en-US" sz="5400" b="1" dirty="0">
-                <a:solidFill>
-                  <a:srgbClr val="660033"/>
-                </a:solidFill>
-                <a:latin typeface="Microsoft JhengHei" panose="020B0604030504040204" pitchFamily="34" charset="-120"/>
-                <a:ea typeface="Microsoft JhengHei" panose="020B0604030504040204" pitchFamily="34" charset="-120"/>
-              </a:rPr>
-              <a:t>恩何寬領我歸</a:t>
-            </a:r>
-            <a:r>
-              <a:rPr lang="zh-CN" altLang="zh-TW" sz="5400" b="1" dirty="0">
-                <a:solidFill>
-                  <a:srgbClr val="660033"/>
-                </a:solidFill>
-                <a:latin typeface="Microsoft JhengHei" panose="020B0604030504040204" pitchFamily="34" charset="-120"/>
-                <a:ea typeface="Microsoft JhengHei" panose="020B0604030504040204" pitchFamily="34" charset="-120"/>
-              </a:rPr>
-              <a:t>回群</a:t>
-            </a:r>
-            <a:r>
-              <a:rPr lang="zh-TW" altLang="en-US" sz="5400" b="1" dirty="0">
-                <a:solidFill>
-                  <a:srgbClr val="660033"/>
-                </a:solidFill>
-                <a:latin typeface="Microsoft JhengHei" panose="020B0604030504040204" pitchFamily="34" charset="-120"/>
-                <a:ea typeface="Microsoft JhengHei" panose="020B0604030504040204" pitchFamily="34" charset="-120"/>
-              </a:rPr>
-              <a:t>中</a:t>
-            </a:r>
-          </a:p>
-          <a:p>
-            <a:pPr marL="0" indent="0" algn="ctr">
-              <a:buNone/>
-            </a:pPr>
-            <a:r>
-              <a:rPr lang="zh-TW" altLang="en-US" sz="5400" b="1" dirty="0">
-                <a:solidFill>
-                  <a:srgbClr val="660033"/>
-                </a:solidFill>
-                <a:latin typeface="Microsoft JhengHei" panose="020B0604030504040204" pitchFamily="34" charset="-120"/>
-                <a:ea typeface="Microsoft JhengHei" panose="020B0604030504040204" pitchFamily="34" charset="-120"/>
-              </a:rPr>
-              <a:t>恩何寬領我歸</a:t>
-            </a:r>
-            <a:r>
-              <a:rPr lang="zh-CN" altLang="zh-TW" sz="5400" b="1" dirty="0">
-                <a:solidFill>
-                  <a:srgbClr val="660033"/>
-                </a:solidFill>
-                <a:latin typeface="Microsoft JhengHei" panose="020B0604030504040204" pitchFamily="34" charset="-120"/>
-                <a:ea typeface="Microsoft JhengHei" panose="020B0604030504040204" pitchFamily="34" charset="-120"/>
-              </a:rPr>
-              <a:t>回群</a:t>
-            </a:r>
-            <a:r>
-              <a:rPr lang="zh-TW" altLang="en-US" sz="5400" b="1" dirty="0">
-                <a:solidFill>
-                  <a:srgbClr val="660033"/>
-                </a:solidFill>
-                <a:latin typeface="Microsoft JhengHei" panose="020B0604030504040204" pitchFamily="34" charset="-120"/>
-                <a:ea typeface="Microsoft JhengHei" panose="020B0604030504040204" pitchFamily="34" charset="-120"/>
-              </a:rPr>
-              <a:t>中</a:t>
-            </a:r>
+            <a:endParaRPr lang="zh-TW" altLang="en-US" sz="6400" b="1" dirty="0">
+              <a:solidFill>
+                <a:srgbClr val="660033"/>
+              </a:solidFill>
+              <a:latin typeface="Microsoft JhengHei" panose="020B0604030504040204" pitchFamily="34" charset="-120"/>
+              <a:ea typeface="Microsoft JhengHei" panose="020B0604030504040204" pitchFamily="34" charset="-120"/>
+            </a:endParaRPr>
           </a:p>
         </p:txBody>
       </p:sp>
     </p:spTree>
     <p:extLst>
       <p:ext uri="{BB962C8B-B14F-4D97-AF65-F5344CB8AC3E}">
-        <p14:creationId xmlns:p14="http://schemas.microsoft.com/office/powerpoint/2010/main" val="526930850"/>
+        <p14:creationId xmlns:p14="http://schemas.microsoft.com/office/powerpoint/2010/main" val="776192240"/>
       </p:ext>
     </p:extLst>
   </p:cSld>
   <p:clrMapOvr>
     <a:masterClrMapping/>
   </p:clrMapOvr>
+  <p:timing>
+    <p:tnLst>
+      <p:par>
+        <p:cTn id="1" dur="indefinite" restart="never" nodeType="tmRoot"/>
+      </p:par>
+    </p:tnLst>
+  </p:timing>
 </p:sld>
 </file>
 
@@ -4683,165 +5445,95 @@
       </p:grpSpPr>
       <p:sp>
         <p:nvSpPr>
-          <p:cNvPr id="4" name="Title 3"/>
-          <p:cNvSpPr>
-            <a:spLocks noGrp="1"/>
-          </p:cNvSpPr>
-          <p:nvPr>
-            <p:ph type="title"/>
-          </p:nvPr>
-        </p:nvSpPr>
-        <p:spPr/>
-        <p:txBody>
-          <a:bodyPr>
+          <p:cNvPr id="5" name="內容版面配置區 4"/>
+          <p:cNvSpPr>
+            <a:spLocks noGrp="1"/>
+          </p:cNvSpPr>
+          <p:nvPr>
+            <p:ph idx="1"/>
+          </p:nvPr>
+        </p:nvSpPr>
+        <p:spPr>
+          <a:xfrm>
+            <a:off x="0" y="2084853"/>
+            <a:ext cx="12192000" cy="2404863"/>
+          </a:xfrm>
+        </p:spPr>
+        <p:txBody>
+          <a:bodyPr anchor="ctr">
             <a:normAutofit/>
           </a:bodyPr>
           <a:lstStyle/>
           <a:p>
-            <a:r>
-              <a:rPr lang="en-US" altLang="zh-CN" sz="4800" b="1" dirty="0">
+            <a:pPr marL="0" indent="0" algn="ctr">
+              <a:buNone/>
+            </a:pPr>
+            <a:r>
+              <a:rPr lang="zh-TW" altLang="en-US" sz="6400" b="1" dirty="0">
                 <a:solidFill>
                   <a:srgbClr val="660033"/>
                 </a:solidFill>
                 <a:latin typeface="Microsoft JhengHei" panose="020B0604030504040204" pitchFamily="34" charset="-120"/>
                 <a:ea typeface="Microsoft JhengHei" panose="020B0604030504040204" pitchFamily="34" charset="-120"/>
               </a:rPr>
-              <a:t>【</a:t>
-            </a:r>
-            <a:r>
-              <a:rPr lang="zh-CN" altLang="en-US" sz="4800" b="1" dirty="0">
+              <a:t>恩何寬領我歸</a:t>
+            </a:r>
+            <a:r>
+              <a:rPr lang="zh-CN" altLang="zh-TW" sz="6400" b="1" dirty="0">
                 <a:solidFill>
                   <a:srgbClr val="660033"/>
                 </a:solidFill>
                 <a:latin typeface="Microsoft JhengHei" panose="020B0604030504040204" pitchFamily="34" charset="-120"/>
                 <a:ea typeface="Microsoft JhengHei" panose="020B0604030504040204" pitchFamily="34" charset="-120"/>
               </a:rPr>
-              <a:t>妙愛找我</a:t>
-            </a:r>
-            <a:r>
-              <a:rPr lang="en-US" altLang="zh-CN" sz="4800" b="1" dirty="0">
+              <a:t>回群</a:t>
+            </a:r>
+            <a:r>
+              <a:rPr lang="zh-TW" altLang="en-US" sz="6400" b="1" dirty="0">
                 <a:solidFill>
                   <a:srgbClr val="660033"/>
                 </a:solidFill>
                 <a:latin typeface="Microsoft JhengHei" panose="020B0604030504040204" pitchFamily="34" charset="-120"/>
                 <a:ea typeface="Microsoft JhengHei" panose="020B0604030504040204" pitchFamily="34" charset="-120"/>
               </a:rPr>
-              <a:t>】</a:t>
-            </a:r>
-          </a:p>
-        </p:txBody>
-      </p:sp>
-      <p:sp>
-        <p:nvSpPr>
-          <p:cNvPr id="5" name="Content Placeholder 4"/>
-          <p:cNvSpPr>
-            <a:spLocks noGrp="1"/>
-          </p:cNvSpPr>
-          <p:nvPr>
-            <p:ph idx="1"/>
-          </p:nvPr>
-        </p:nvSpPr>
-        <p:spPr/>
-        <p:txBody>
-          <a:bodyPr>
-            <a:noAutofit/>
-          </a:bodyPr>
-          <a:lstStyle/>
+              <a:t>中</a:t>
+            </a:r>
+          </a:p>
           <a:p>
             <a:pPr marL="0" indent="0" algn="ctr">
               <a:buNone/>
             </a:pPr>
             <a:r>
-              <a:rPr lang="zh-TW" altLang="en-US" sz="5400" b="1" dirty="0">
+              <a:rPr lang="zh-TW" altLang="en-US" sz="6400" b="1" dirty="0">
                 <a:solidFill>
                   <a:srgbClr val="660033"/>
                 </a:solidFill>
                 <a:latin typeface="Microsoft JhengHei" panose="020B0604030504040204" pitchFamily="34" charset="-120"/>
                 <a:ea typeface="Microsoft JhengHei" panose="020B0604030504040204" pitchFamily="34" charset="-120"/>
               </a:rPr>
-              <a:t>主的兩手有釘痕</a:t>
-            </a:r>
-          </a:p>
-          <a:p>
-            <a:pPr marL="0" indent="0" algn="ctr">
-              <a:buNone/>
-            </a:pPr>
-            <a:r>
-              <a:rPr lang="zh-TW" altLang="en-US" sz="5400" b="1" dirty="0">
+              <a:t>恩何寬領我歸</a:t>
+            </a:r>
+            <a:r>
+              <a:rPr lang="zh-CN" altLang="zh-TW" sz="6400" b="1" dirty="0">
                 <a:solidFill>
                   <a:srgbClr val="660033"/>
                 </a:solidFill>
                 <a:latin typeface="Microsoft JhengHei" panose="020B0604030504040204" pitchFamily="34" charset="-120"/>
                 <a:ea typeface="Microsoft JhengHei" panose="020B0604030504040204" pitchFamily="34" charset="-120"/>
               </a:rPr>
-              <a:t>寶血為我流出</a:t>
-            </a:r>
-          </a:p>
-          <a:p>
-            <a:pPr marL="0" indent="0" algn="ctr">
-              <a:buNone/>
-            </a:pPr>
-            <a:r>
-              <a:rPr lang="zh-TW" altLang="en-US" sz="5400" b="1" dirty="0">
+              <a:t>回群</a:t>
+            </a:r>
+            <a:r>
+              <a:rPr lang="zh-TW" altLang="en-US" sz="6400" b="1" dirty="0">
                 <a:solidFill>
                   <a:srgbClr val="660033"/>
                 </a:solidFill>
                 <a:latin typeface="Microsoft JhengHei" panose="020B0604030504040204" pitchFamily="34" charset="-120"/>
                 <a:ea typeface="Microsoft JhengHei" panose="020B0604030504040204" pitchFamily="34" charset="-120"/>
               </a:rPr>
-              <a:t>人用荊棘</a:t>
-            </a:r>
-            <a:r>
-              <a:rPr lang="zh-CN" altLang="en-US" sz="5400" b="1" dirty="0">
-                <a:solidFill>
-                  <a:srgbClr val="660033"/>
-                </a:solidFill>
-                <a:latin typeface="Microsoft JhengHei" panose="020B0604030504040204" pitchFamily="34" charset="-120"/>
-                <a:ea typeface="Microsoft JhengHei" panose="020B0604030504040204" pitchFamily="34" charset="-120"/>
-              </a:rPr>
-              <a:t>作</a:t>
-            </a:r>
-            <a:r>
-              <a:rPr lang="zh-TW" altLang="en-US" sz="5400" b="1" dirty="0">
-                <a:solidFill>
-                  <a:srgbClr val="660033"/>
-                </a:solidFill>
-                <a:latin typeface="Microsoft JhengHei" panose="020B0604030504040204" pitchFamily="34" charset="-120"/>
-                <a:ea typeface="Microsoft JhengHei" panose="020B0604030504040204" pitchFamily="34" charset="-120"/>
-              </a:rPr>
-              <a:t>冠</a:t>
-            </a:r>
-            <a:r>
-              <a:rPr lang="zh-TW" altLang="en-US" sz="5400" b="1" dirty="0">
-                <a:solidFill>
-                  <a:srgbClr val="660033"/>
-                </a:solidFill>
-                <a:latin typeface="Microsoft JhengHei" panose="020B0604030504040204" pitchFamily="34" charset="-120"/>
-                <a:ea typeface="Microsoft JhengHei" panose="020B0604030504040204" pitchFamily="34" charset="-120"/>
-              </a:rPr>
-              <a:t>冕  戲</a:t>
-            </a:r>
-            <a:r>
-              <a:rPr lang="zh-TW" altLang="en-US" sz="5400" b="1" dirty="0">
-                <a:solidFill>
-                  <a:srgbClr val="660033"/>
-                </a:solidFill>
-                <a:latin typeface="Microsoft JhengHei" panose="020B0604030504040204" pitchFamily="34" charset="-120"/>
-                <a:ea typeface="Microsoft JhengHei" panose="020B0604030504040204" pitchFamily="34" charset="-120"/>
-              </a:rPr>
-              <a:t>弄加上淩</a:t>
-            </a:r>
-            <a:r>
-              <a:rPr lang="zh-TW" altLang="en-US" sz="5400" b="1" dirty="0">
-                <a:solidFill>
-                  <a:srgbClr val="660033"/>
-                </a:solidFill>
-                <a:latin typeface="Microsoft JhengHei" panose="020B0604030504040204" pitchFamily="34" charset="-120"/>
-                <a:ea typeface="Microsoft JhengHei" panose="020B0604030504040204" pitchFamily="34" charset="-120"/>
-              </a:rPr>
-              <a:t>辱</a:t>
-            </a:r>
-            <a:endParaRPr lang="en-US" altLang="zh-TW" sz="5400" b="1" dirty="0">
+              <a:t>中</a:t>
+            </a:r>
+            <a:endParaRPr lang="zh-TW" altLang="en-US" sz="6400" b="1" dirty="0">
               <a:solidFill>
                 <a:srgbClr val="660033"/>
               </a:solidFill>
@@ -4849,116 +5541,25 @@
               <a:ea typeface="Microsoft JhengHei" panose="020B0604030504040204" pitchFamily="34" charset="-120"/>
             </a:endParaRPr>
           </a:p>
-          <a:p>
-            <a:pPr marL="0" indent="0" algn="ctr">
-              <a:buNone/>
-            </a:pPr>
-            <a:r>
-              <a:rPr lang="zh-TW" altLang="en-US" sz="5400" b="1" dirty="0">
-                <a:solidFill>
-                  <a:srgbClr val="660033"/>
-                </a:solidFill>
-                <a:latin typeface="Microsoft JhengHei" panose="020B0604030504040204" pitchFamily="34" charset="-120"/>
-                <a:ea typeface="Microsoft JhengHei" panose="020B0604030504040204" pitchFamily="34" charset="-120"/>
-              </a:rPr>
-              <a:t>主愛極大憐我罪人</a:t>
-            </a:r>
-          </a:p>
-          <a:p>
-            <a:pPr marL="0" indent="0" algn="ctr">
-              <a:buNone/>
-            </a:pPr>
-            <a:r>
-              <a:rPr lang="zh-TW" altLang="en-US" sz="5400" b="1" dirty="0">
-                <a:solidFill>
-                  <a:srgbClr val="660033"/>
-                </a:solidFill>
-                <a:latin typeface="Microsoft JhengHei" panose="020B0604030504040204" pitchFamily="34" charset="-120"/>
-                <a:ea typeface="Microsoft JhengHei" panose="020B0604030504040204" pitchFamily="34" charset="-120"/>
-              </a:rPr>
-              <a:t>甚至為我受苦最</a:t>
-            </a:r>
-            <a:r>
-              <a:rPr lang="zh-TW" altLang="en-US" sz="5400" b="1" dirty="0">
-                <a:solidFill>
-                  <a:srgbClr val="660033"/>
-                </a:solidFill>
-                <a:latin typeface="Microsoft JhengHei" panose="020B0604030504040204" pitchFamily="34" charset="-120"/>
-                <a:ea typeface="Microsoft JhengHei" panose="020B0604030504040204" pitchFamily="34" charset="-120"/>
-              </a:rPr>
-              <a:t>深</a:t>
-            </a:r>
-            <a:endParaRPr lang="zh-TW" altLang="en-US" sz="5400" b="1" dirty="0">
-              <a:solidFill>
-                <a:srgbClr val="660033"/>
-              </a:solidFill>
-              <a:latin typeface="Microsoft JhengHei" panose="020B0604030504040204" pitchFamily="34" charset="-120"/>
-              <a:ea typeface="Microsoft JhengHei" panose="020B0604030504040204" pitchFamily="34" charset="-120"/>
-            </a:endParaRPr>
-          </a:p>
-        </p:txBody>
-      </p:sp>
-      <p:sp>
-        <p:nvSpPr>
-          <p:cNvPr id="6" name="Text Box 1"/>
-          <p:cNvSpPr txBox="1"/>
-          <p:nvPr/>
-        </p:nvSpPr>
-        <p:spPr>
-          <a:xfrm>
-            <a:off x="1199456" y="1700808"/>
-            <a:ext cx="1161268" cy="923330"/>
-          </a:xfrm>
-          <a:prstGeom prst="rect">
-            <a:avLst/>
-          </a:prstGeom>
-          <a:noFill/>
-          <a:ln w="9525">
-            <a:noFill/>
-            <a:miter lim="800000"/>
-          </a:ln>
-        </p:spPr>
-        <p:txBody>
-          <a:bodyPr wrap="square">
-            <a:spAutoFit/>
-          </a:bodyPr>
-          <a:lstStyle/>
-          <a:p>
-            <a:pPr algn="ctr"/>
-            <a:r>
-              <a:rPr lang="en-US" sz="5400" b="1" dirty="0">
-                <a:solidFill>
-                  <a:srgbClr val="660033"/>
-                </a:solidFill>
-              </a:rPr>
-              <a:t>3</a:t>
-            </a:r>
-            <a:r>
-              <a:rPr lang="en-US" sz="5400" b="1" dirty="0" smtClean="0">
-                <a:solidFill>
-                  <a:srgbClr val="660033"/>
-                </a:solidFill>
-              </a:rPr>
-              <a:t>.</a:t>
-            </a:r>
-            <a:endParaRPr lang="en-US" sz="5400" b="1" dirty="0">
-              <a:solidFill>
-                <a:srgbClr val="660033"/>
-              </a:solidFill>
-            </a:endParaRPr>
-          </a:p>
         </p:txBody>
       </p:sp>
     </p:spTree>
     <p:extLst>
       <p:ext uri="{BB962C8B-B14F-4D97-AF65-F5344CB8AC3E}">
-        <p14:creationId xmlns:p14="http://schemas.microsoft.com/office/powerpoint/2010/main" val="4219123989"/>
+        <p14:creationId xmlns:p14="http://schemas.microsoft.com/office/powerpoint/2010/main" val="1229663544"/>
       </p:ext>
     </p:extLst>
   </p:cSld>
   <p:clrMapOvr>
     <a:masterClrMapping/>
   </p:clrMapOvr>
+  <p:timing>
+    <p:tnLst>
+      <p:par>
+        <p:cTn id="1" dur="indefinite" restart="never" nodeType="tmRoot"/>
+      </p:par>
+    </p:tnLst>
+  </p:timing>
 </p:sld>
 </file>
 
@@ -4981,182 +5582,136 @@
       </p:grpSpPr>
       <p:sp>
         <p:nvSpPr>
-          <p:cNvPr id="4" name="Title 3"/>
-          <p:cNvSpPr>
-            <a:spLocks noGrp="1"/>
-          </p:cNvSpPr>
-          <p:nvPr>
-            <p:ph type="title"/>
-          </p:nvPr>
-        </p:nvSpPr>
-        <p:spPr/>
-        <p:txBody>
-          <a:bodyPr>
+          <p:cNvPr id="5" name="內容版面配置區 4"/>
+          <p:cNvSpPr>
+            <a:spLocks noGrp="1"/>
+          </p:cNvSpPr>
+          <p:nvPr>
+            <p:ph idx="1"/>
+          </p:nvPr>
+        </p:nvSpPr>
+        <p:spPr>
+          <a:xfrm>
+            <a:off x="0" y="2084853"/>
+            <a:ext cx="12192000" cy="2404863"/>
+          </a:xfrm>
+        </p:spPr>
+        <p:txBody>
+          <a:bodyPr anchor="ctr">
             <a:normAutofit/>
           </a:bodyPr>
           <a:lstStyle/>
           <a:p>
-            <a:r>
-              <a:rPr lang="en-US" altLang="zh-CN" sz="4800" b="1" dirty="0">
+            <a:pPr marL="0" indent="0" algn="ctr">
+              <a:buNone/>
+            </a:pPr>
+            <a:r>
+              <a:rPr lang="zh-TW" altLang="en-US" sz="6400" b="1" dirty="0">
                 <a:solidFill>
                   <a:srgbClr val="660033"/>
                 </a:solidFill>
                 <a:latin typeface="Microsoft JhengHei" panose="020B0604030504040204" pitchFamily="34" charset="-120"/>
                 <a:ea typeface="Microsoft JhengHei" panose="020B0604030504040204" pitchFamily="34" charset="-120"/>
               </a:rPr>
-              <a:t>【</a:t>
-            </a:r>
-            <a:r>
-              <a:rPr lang="zh-CN" altLang="en-US" sz="4800" b="1" dirty="0">
+              <a:t>主看見我受損傷   用油和酒包裹</a:t>
+            </a:r>
+          </a:p>
+          <a:p>
+            <a:pPr marL="0" indent="0" algn="ctr">
+              <a:buNone/>
+            </a:pPr>
+            <a:r>
+              <a:rPr lang="zh-TW" altLang="en-US" sz="6400" b="1" dirty="0">
                 <a:solidFill>
                   <a:srgbClr val="660033"/>
                 </a:solidFill>
                 <a:latin typeface="Microsoft JhengHei" panose="020B0604030504040204" pitchFamily="34" charset="-120"/>
                 <a:ea typeface="Microsoft JhengHei" panose="020B0604030504040204" pitchFamily="34" charset="-120"/>
               </a:rPr>
-              <a:t>妙愛找我</a:t>
-            </a:r>
-            <a:r>
-              <a:rPr lang="en-US" altLang="zh-CN" sz="4800" b="1" dirty="0">
-                <a:solidFill>
-                  <a:srgbClr val="660033"/>
-                </a:solidFill>
-                <a:latin typeface="Microsoft JhengHei" panose="020B0604030504040204" pitchFamily="34" charset="-120"/>
-                <a:ea typeface="Microsoft JhengHei" panose="020B0604030504040204" pitchFamily="34" charset="-120"/>
-              </a:rPr>
-              <a:t>】</a:t>
-            </a:r>
-          </a:p>
-        </p:txBody>
-      </p:sp>
-      <p:sp>
-        <p:nvSpPr>
-          <p:cNvPr id="5" name="Content Placeholder 4"/>
-          <p:cNvSpPr>
-            <a:spLocks noGrp="1"/>
-          </p:cNvSpPr>
-          <p:nvPr>
-            <p:ph idx="1"/>
-          </p:nvPr>
-        </p:nvSpPr>
-        <p:spPr/>
-        <p:txBody>
-          <a:bodyPr>
-            <a:noAutofit/>
+              <a:t>又以恩言安慰我   就說你永屬我</a:t>
+            </a:r>
+            <a:endParaRPr lang="en-US" altLang="zh-TW" sz="6400" b="1" dirty="0">
+              <a:solidFill>
+                <a:srgbClr val="660033"/>
+              </a:solidFill>
+              <a:latin typeface="Microsoft JhengHei" panose="020B0604030504040204" pitchFamily="34" charset="-120"/>
+              <a:ea typeface="Microsoft JhengHei" panose="020B0604030504040204" pitchFamily="34" charset="-120"/>
+            </a:endParaRPr>
+          </a:p>
+        </p:txBody>
+      </p:sp>
+      <p:sp>
+        <p:nvSpPr>
+          <p:cNvPr id="3" name="TextBox 2"/>
+          <p:cNvSpPr txBox="1"/>
+          <p:nvPr/>
+        </p:nvSpPr>
+        <p:spPr>
+          <a:xfrm>
+            <a:off x="0" y="5061183"/>
+            <a:ext cx="12192000" cy="830997"/>
+          </a:xfrm>
+          <a:prstGeom prst="rect">
+            <a:avLst/>
+          </a:prstGeom>
+          <a:noFill/>
+        </p:spPr>
+        <p:txBody>
+          <a:bodyPr wrap="square" rtlCol="0">
+            <a:spAutoFit/>
           </a:bodyPr>
           <a:lstStyle/>
           <a:p>
-            <a:pPr marL="0" indent="0" algn="ctr">
-              <a:buNone/>
-            </a:pPr>
-            <a:r>
-              <a:rPr lang="zh-TW" altLang="en-US" sz="5400" b="1" dirty="0">
-                <a:solidFill>
-                  <a:srgbClr val="660033"/>
-                </a:solidFill>
-                <a:latin typeface="Microsoft JhengHei" panose="020B0604030504040204" pitchFamily="34" charset="-120"/>
-                <a:ea typeface="Microsoft JhengHei" panose="020B0604030504040204" pitchFamily="34" charset="-120"/>
-              </a:rPr>
-              <a:t>愛何大尋找我</a:t>
-            </a:r>
-          </a:p>
-          <a:p>
-            <a:pPr marL="0" indent="0" algn="ctr">
-              <a:buNone/>
-            </a:pPr>
-            <a:r>
-              <a:rPr lang="zh-TW" altLang="en-US" sz="5400" b="1" dirty="0">
-                <a:solidFill>
-                  <a:srgbClr val="660033"/>
-                </a:solidFill>
-                <a:latin typeface="Microsoft JhengHei" panose="020B0604030504040204" pitchFamily="34" charset="-120"/>
-                <a:ea typeface="Microsoft JhengHei" panose="020B0604030504040204" pitchFamily="34" charset="-120"/>
-              </a:rPr>
-              <a:t>血何寶洗淨我</a:t>
-            </a:r>
-          </a:p>
-          <a:p>
-            <a:pPr marL="0" indent="0" algn="ctr">
-              <a:buNone/>
-            </a:pPr>
-            <a:r>
-              <a:rPr lang="zh-TW" altLang="en-US" sz="5400" b="1" dirty="0">
-                <a:solidFill>
-                  <a:srgbClr val="660033"/>
-                </a:solidFill>
-                <a:latin typeface="Microsoft JhengHei" panose="020B0604030504040204" pitchFamily="34" charset="-120"/>
-                <a:ea typeface="Microsoft JhengHei" panose="020B0604030504040204" pitchFamily="34" charset="-120"/>
-              </a:rPr>
-              <a:t>恩何寬領我歸</a:t>
-            </a:r>
-            <a:r>
-              <a:rPr lang="zh-CN" altLang="zh-TW" sz="5400" b="1" dirty="0">
-                <a:solidFill>
-                  <a:srgbClr val="660033"/>
-                </a:solidFill>
-                <a:latin typeface="Microsoft JhengHei" panose="020B0604030504040204" pitchFamily="34" charset="-120"/>
-                <a:ea typeface="Microsoft JhengHei" panose="020B0604030504040204" pitchFamily="34" charset="-120"/>
-              </a:rPr>
-              <a:t>回群</a:t>
-            </a:r>
-            <a:r>
-              <a:rPr lang="zh-TW" altLang="en-US" sz="5400" b="1" dirty="0">
-                <a:solidFill>
-                  <a:srgbClr val="660033"/>
-                </a:solidFill>
-                <a:latin typeface="Microsoft JhengHei" panose="020B0604030504040204" pitchFamily="34" charset="-120"/>
-                <a:ea typeface="Microsoft JhengHei" panose="020B0604030504040204" pitchFamily="34" charset="-120"/>
-              </a:rPr>
-              <a:t>中</a:t>
-            </a:r>
-          </a:p>
-          <a:p>
-            <a:pPr marL="0" indent="0" algn="ctr">
-              <a:buNone/>
-            </a:pPr>
-            <a:r>
-              <a:rPr lang="zh-TW" altLang="en-US" sz="5400" b="1" dirty="0">
-                <a:solidFill>
-                  <a:srgbClr val="660033"/>
-                </a:solidFill>
-                <a:latin typeface="Microsoft JhengHei" panose="020B0604030504040204" pitchFamily="34" charset="-120"/>
-                <a:ea typeface="Microsoft JhengHei" panose="020B0604030504040204" pitchFamily="34" charset="-120"/>
-              </a:rPr>
-              <a:t>恩何寬領我歸</a:t>
-            </a:r>
-            <a:r>
-              <a:rPr lang="zh-CN" altLang="zh-TW" sz="5400" b="1" dirty="0">
-                <a:solidFill>
-                  <a:srgbClr val="660033"/>
-                </a:solidFill>
-                <a:latin typeface="Microsoft JhengHei" panose="020B0604030504040204" pitchFamily="34" charset="-120"/>
-                <a:ea typeface="Microsoft JhengHei" panose="020B0604030504040204" pitchFamily="34" charset="-120"/>
-              </a:rPr>
-              <a:t>回群</a:t>
-            </a:r>
-            <a:r>
-              <a:rPr lang="zh-TW" altLang="en-US" sz="5400" b="1" dirty="0">
-                <a:solidFill>
-                  <a:srgbClr val="660033"/>
-                </a:solidFill>
-                <a:latin typeface="Microsoft JhengHei" panose="020B0604030504040204" pitchFamily="34" charset="-120"/>
-                <a:ea typeface="Microsoft JhengHei" panose="020B0604030504040204" pitchFamily="34" charset="-120"/>
-              </a:rPr>
-              <a:t>中</a:t>
-            </a:r>
+            <a:pPr algn="ctr"/>
+            <a:r>
+              <a:rPr lang="en-US" sz="4800" b="1" dirty="0">
+                <a:solidFill>
+                  <a:srgbClr val="660033"/>
+                </a:solidFill>
+              </a:rPr>
+              <a:t>( </a:t>
+            </a:r>
+            <a:r>
+              <a:rPr lang="en-US" sz="4800" b="1" dirty="0">
+                <a:solidFill>
+                  <a:srgbClr val="660033"/>
+                </a:solidFill>
+              </a:rPr>
+              <a:t>2 </a:t>
+            </a:r>
+            <a:r>
+              <a:rPr lang="en-US" sz="4800" b="1" dirty="0">
+                <a:solidFill>
+                  <a:srgbClr val="660033"/>
+                </a:solidFill>
+              </a:rPr>
+              <a:t>)</a:t>
+            </a:r>
+            <a:endParaRPr lang="vi-VN" sz="4800" b="1" dirty="0">
+              <a:solidFill>
+                <a:srgbClr val="660033"/>
+              </a:solidFill>
+            </a:endParaRPr>
           </a:p>
         </p:txBody>
       </p:sp>
     </p:spTree>
     <p:extLst>
       <p:ext uri="{BB962C8B-B14F-4D97-AF65-F5344CB8AC3E}">
-        <p14:creationId xmlns:p14="http://schemas.microsoft.com/office/powerpoint/2010/main" val="1905807415"/>
+        <p14:creationId xmlns:p14="http://schemas.microsoft.com/office/powerpoint/2010/main" val="2668757019"/>
       </p:ext>
     </p:extLst>
   </p:cSld>
   <p:clrMapOvr>
     <a:masterClrMapping/>
   </p:clrMapOvr>
+  <p:timing>
+    <p:tnLst>
+      <p:par>
+        <p:cTn id="1" dur="indefinite" restart="never" nodeType="tmRoot"/>
+      </p:par>
+    </p:tnLst>
+  </p:timing>
 </p:sld>
 </file>
 
@@ -5179,155 +5734,55 @@
       </p:grpSpPr>
       <p:sp>
         <p:nvSpPr>
-          <p:cNvPr id="4" name="Title 3"/>
-          <p:cNvSpPr>
-            <a:spLocks noGrp="1"/>
-          </p:cNvSpPr>
-          <p:nvPr>
-            <p:ph type="title"/>
-          </p:nvPr>
-        </p:nvSpPr>
-        <p:spPr/>
-        <p:txBody>
-          <a:bodyPr>
+          <p:cNvPr id="5" name="內容版面配置區 4"/>
+          <p:cNvSpPr>
+            <a:spLocks noGrp="1"/>
+          </p:cNvSpPr>
+          <p:nvPr>
+            <p:ph idx="1"/>
+          </p:nvPr>
+        </p:nvSpPr>
+        <p:spPr>
+          <a:xfrm>
+            <a:off x="0" y="2084853"/>
+            <a:ext cx="12192000" cy="2404863"/>
+          </a:xfrm>
+        </p:spPr>
+        <p:txBody>
+          <a:bodyPr anchor="ctr">
             <a:normAutofit/>
           </a:bodyPr>
           <a:lstStyle/>
           <a:p>
-            <a:r>
-              <a:rPr lang="en-US" altLang="zh-CN" sz="4800" b="1" dirty="0">
+            <a:pPr marL="0" indent="0" algn="ctr">
+              <a:buNone/>
+            </a:pPr>
+            <a:r>
+              <a:rPr lang="zh-TW" altLang="en-US" sz="6400" b="1" dirty="0">
                 <a:solidFill>
                   <a:srgbClr val="660033"/>
                 </a:solidFill>
                 <a:latin typeface="Microsoft JhengHei" panose="020B0604030504040204" pitchFamily="34" charset="-120"/>
                 <a:ea typeface="Microsoft JhengHei" panose="020B0604030504040204" pitchFamily="34" charset="-120"/>
               </a:rPr>
-              <a:t>【</a:t>
-            </a:r>
-            <a:r>
-              <a:rPr lang="zh-CN" altLang="en-US" sz="4800" b="1" dirty="0">
+              <a:t>我未曾聽如此佳音</a:t>
+            </a:r>
+          </a:p>
+          <a:p>
+            <a:pPr marL="0" indent="0" algn="ctr">
+              <a:buNone/>
+            </a:pPr>
+            <a:r>
+              <a:rPr lang="zh-TW" altLang="en-US" sz="6400" b="1" dirty="0">
                 <a:solidFill>
                   <a:srgbClr val="660033"/>
                 </a:solidFill>
                 <a:latin typeface="Microsoft JhengHei" panose="020B0604030504040204" pitchFamily="34" charset="-120"/>
                 <a:ea typeface="Microsoft JhengHei" panose="020B0604030504040204" pitchFamily="34" charset="-120"/>
               </a:rPr>
-              <a:t>妙愛找我</a:t>
-            </a:r>
-            <a:r>
-              <a:rPr lang="en-US" altLang="zh-CN" sz="4800" b="1" dirty="0">
-                <a:solidFill>
-                  <a:srgbClr val="660033"/>
-                </a:solidFill>
-                <a:latin typeface="Microsoft JhengHei" panose="020B0604030504040204" pitchFamily="34" charset="-120"/>
-                <a:ea typeface="Microsoft JhengHei" panose="020B0604030504040204" pitchFamily="34" charset="-120"/>
-              </a:rPr>
-              <a:t>】</a:t>
-            </a:r>
-          </a:p>
-        </p:txBody>
-      </p:sp>
-      <p:sp>
-        <p:nvSpPr>
-          <p:cNvPr id="5" name="Content Placeholder 4"/>
-          <p:cNvSpPr>
-            <a:spLocks noGrp="1"/>
-          </p:cNvSpPr>
-          <p:nvPr>
-            <p:ph idx="1"/>
-          </p:nvPr>
-        </p:nvSpPr>
-        <p:spPr/>
-        <p:txBody>
-          <a:bodyPr>
-            <a:noAutofit/>
-          </a:bodyPr>
-          <a:lstStyle/>
-          <a:p>
-            <a:pPr marL="0" indent="0" algn="ctr">
-              <a:buNone/>
-            </a:pPr>
-            <a:r>
-              <a:rPr lang="zh-TW" altLang="en-US" sz="5400" b="1" dirty="0">
-                <a:solidFill>
-                  <a:srgbClr val="660033"/>
-                </a:solidFill>
-                <a:latin typeface="Microsoft JhengHei" panose="020B0604030504040204" pitchFamily="34" charset="-120"/>
-                <a:ea typeface="Microsoft JhengHei" panose="020B0604030504040204" pitchFamily="34" charset="-120"/>
-              </a:rPr>
-              <a:t>我在世上為客旅</a:t>
-            </a:r>
-          </a:p>
-          <a:p>
-            <a:pPr marL="0" indent="0" algn="ctr">
-              <a:buNone/>
-            </a:pPr>
-            <a:r>
-              <a:rPr lang="zh-TW" altLang="en-US" sz="5400" b="1" dirty="0">
-                <a:solidFill>
-                  <a:srgbClr val="660033"/>
-                </a:solidFill>
-                <a:latin typeface="Microsoft JhengHei" panose="020B0604030504040204" pitchFamily="34" charset="-120"/>
-                <a:ea typeface="Microsoft JhengHei" panose="020B0604030504040204" pitchFamily="34" charset="-120"/>
-              </a:rPr>
-              <a:t>心裏卻甚安穩</a:t>
-            </a:r>
-          </a:p>
-          <a:p>
-            <a:pPr marL="0" indent="0" algn="ctr">
-              <a:buNone/>
-            </a:pPr>
-            <a:r>
-              <a:rPr lang="zh-TW" altLang="en-US" sz="5400" b="1" dirty="0">
-                <a:solidFill>
-                  <a:srgbClr val="660033"/>
-                </a:solidFill>
-                <a:latin typeface="Microsoft JhengHei" panose="020B0604030504040204" pitchFamily="34" charset="-120"/>
-                <a:ea typeface="Microsoft JhengHei" panose="020B0604030504040204" pitchFamily="34" charset="-120"/>
-              </a:rPr>
-              <a:t>耐心等候那早</a:t>
-            </a:r>
-            <a:r>
-              <a:rPr lang="zh-TW" altLang="en-US" sz="5400" b="1" dirty="0">
-                <a:solidFill>
-                  <a:srgbClr val="660033"/>
-                </a:solidFill>
-                <a:latin typeface="Microsoft JhengHei" panose="020B0604030504040204" pitchFamily="34" charset="-120"/>
-                <a:ea typeface="Microsoft JhengHei" panose="020B0604030504040204" pitchFamily="34" charset="-120"/>
-              </a:rPr>
-              <a:t>晨  </a:t>
-            </a:r>
-            <a:r>
-              <a:rPr lang="zh-CN" altLang="zh-TW" sz="5400" b="1" dirty="0">
-                <a:solidFill>
-                  <a:srgbClr val="660033"/>
-                </a:solidFill>
-                <a:latin typeface="Microsoft JhengHei" panose="020B0604030504040204" pitchFamily="34" charset="-120"/>
-                <a:ea typeface="Microsoft JhengHei" panose="020B0604030504040204" pitchFamily="34" charset="-120"/>
-              </a:rPr>
-              <a:t>即</a:t>
-            </a:r>
-            <a:r>
-              <a:rPr lang="zh-TW" altLang="en-US" sz="5400" b="1" dirty="0">
-                <a:solidFill>
-                  <a:srgbClr val="660033"/>
-                </a:solidFill>
-                <a:latin typeface="Microsoft JhengHei" panose="020B0604030504040204" pitchFamily="34" charset="-120"/>
-                <a:ea typeface="Microsoft JhengHei" panose="020B0604030504040204" pitchFamily="34" charset="-120"/>
-              </a:rPr>
-              <a:t>主降臨時</a:t>
-            </a:r>
-            <a:r>
-              <a:rPr lang="zh-TW" altLang="en-US" sz="5400" b="1" dirty="0">
-                <a:solidFill>
-                  <a:srgbClr val="660033"/>
-                </a:solidFill>
-                <a:latin typeface="Microsoft JhengHei" panose="020B0604030504040204" pitchFamily="34" charset="-120"/>
-                <a:ea typeface="Microsoft JhengHei" panose="020B0604030504040204" pitchFamily="34" charset="-120"/>
-              </a:rPr>
-              <a:t>分</a:t>
-            </a:r>
-            <a:endParaRPr lang="en-US" altLang="zh-TW" sz="5400" b="1" dirty="0">
+              <a:t>能叫我心滿足歡欣</a:t>
+            </a:r>
+            <a:endParaRPr lang="zh-TW" altLang="en-US" sz="6400" b="1" dirty="0">
               <a:solidFill>
                 <a:srgbClr val="660033"/>
               </a:solidFill>
@@ -5335,99 +5790,56 @@
               <a:ea typeface="Microsoft JhengHei" panose="020B0604030504040204" pitchFamily="34" charset="-120"/>
             </a:endParaRPr>
           </a:p>
-          <a:p>
-            <a:pPr marL="0" indent="0" algn="ctr">
-              <a:buNone/>
-            </a:pPr>
-            <a:r>
-              <a:rPr lang="zh-TW" altLang="en-US" sz="5400" b="1" dirty="0">
-                <a:solidFill>
-                  <a:srgbClr val="660033"/>
-                </a:solidFill>
-                <a:latin typeface="Microsoft JhengHei" panose="020B0604030504040204" pitchFamily="34" charset="-120"/>
-                <a:ea typeface="Microsoft JhengHei" panose="020B0604030504040204" pitchFamily="34" charset="-120"/>
-              </a:rPr>
-              <a:t>那時接我到他身邊</a:t>
-            </a:r>
-          </a:p>
-          <a:p>
-            <a:pPr marL="0" indent="0" algn="ctr">
-              <a:buNone/>
-            </a:pPr>
-            <a:r>
-              <a:rPr lang="zh-TW" altLang="en-US" sz="5400" b="1" dirty="0">
-                <a:solidFill>
-                  <a:srgbClr val="660033"/>
-                </a:solidFill>
-                <a:latin typeface="Microsoft JhengHei" panose="020B0604030504040204" pitchFamily="34" charset="-120"/>
-                <a:ea typeface="Microsoft JhengHei" panose="020B0604030504040204" pitchFamily="34" charset="-120"/>
-              </a:rPr>
-              <a:t>與主同在聖潔無</a:t>
-            </a:r>
-            <a:r>
-              <a:rPr lang="zh-TW" altLang="en-US" sz="5400" b="1" dirty="0">
-                <a:solidFill>
-                  <a:srgbClr val="660033"/>
-                </a:solidFill>
-                <a:latin typeface="Microsoft JhengHei" panose="020B0604030504040204" pitchFamily="34" charset="-120"/>
-                <a:ea typeface="Microsoft JhengHei" panose="020B0604030504040204" pitchFamily="34" charset="-120"/>
-              </a:rPr>
-              <a:t>愆</a:t>
-            </a:r>
-            <a:endParaRPr lang="zh-TW" altLang="en-US" sz="5400" b="1" dirty="0">
-              <a:solidFill>
-                <a:srgbClr val="660033"/>
-              </a:solidFill>
-              <a:latin typeface="Microsoft JhengHei" panose="020B0604030504040204" pitchFamily="34" charset="-120"/>
-              <a:ea typeface="Microsoft JhengHei" panose="020B0604030504040204" pitchFamily="34" charset="-120"/>
-            </a:endParaRPr>
-          </a:p>
-        </p:txBody>
-      </p:sp>
-      <p:sp>
-        <p:nvSpPr>
-          <p:cNvPr id="6" name="Text Box 1"/>
+        </p:txBody>
+      </p:sp>
+      <p:sp>
+        <p:nvSpPr>
+          <p:cNvPr id="3" name="TextBox 2"/>
           <p:cNvSpPr txBox="1"/>
           <p:nvPr/>
         </p:nvSpPr>
         <p:spPr>
           <a:xfrm>
-            <a:off x="1199456" y="1700808"/>
-            <a:ext cx="1161268" cy="923330"/>
+            <a:off x="0" y="5061183"/>
+            <a:ext cx="12192000" cy="830997"/>
           </a:xfrm>
           <a:prstGeom prst="rect">
             <a:avLst/>
           </a:prstGeom>
           <a:noFill/>
-          <a:ln w="9525">
-            <a:noFill/>
-            <a:miter lim="800000"/>
-          </a:ln>
         </p:spPr>
         <p:txBody>
-          <a:bodyPr wrap="square">
+          <a:bodyPr wrap="square" rtlCol="0">
             <a:spAutoFit/>
           </a:bodyPr>
           <a:lstStyle/>
           <a:p>
             <a:pPr algn="ctr"/>
             <a:r>
-              <a:rPr lang="en-US" sz="5400" b="1" dirty="0">
-                <a:solidFill>
-                  <a:srgbClr val="660033"/>
-                </a:solidFill>
-              </a:rPr>
-              <a:t>4</a:t>
-            </a:r>
-            <a:r>
-              <a:rPr lang="en-US" sz="5400" b="1" dirty="0" smtClean="0">
-                <a:solidFill>
-                  <a:srgbClr val="660033"/>
-                </a:solidFill>
-              </a:rPr>
-              <a:t>.</a:t>
-            </a:r>
-            <a:endParaRPr lang="en-US" sz="5400" b="1" dirty="0">
+              <a:rPr lang="en-US" sz="4800" b="1" dirty="0">
+                <a:solidFill>
+                  <a:srgbClr val="660033"/>
+                </a:solidFill>
+              </a:rPr>
+              <a:t>( </a:t>
+            </a:r>
+            <a:r>
+              <a:rPr lang="en-US" sz="4800" b="1" dirty="0">
+                <a:solidFill>
+                  <a:srgbClr val="660033"/>
+                </a:solidFill>
+              </a:rPr>
+              <a:t>2 </a:t>
+            </a:r>
+            <a:r>
+              <a:rPr lang="en-US" sz="4800" b="1" dirty="0">
+                <a:solidFill>
+                  <a:srgbClr val="660033"/>
+                </a:solidFill>
+              </a:rPr>
+              <a:t>)</a:t>
+            </a:r>
+            <a:endParaRPr lang="vi-VN" sz="4800" b="1" dirty="0">
               <a:solidFill>
                 <a:srgbClr val="660033"/>
               </a:solidFill>
@@ -5438,13 +5850,20 @@
     </p:spTree>
     <p:extLst>
       <p:ext uri="{BB962C8B-B14F-4D97-AF65-F5344CB8AC3E}">
-        <p14:creationId xmlns:p14="http://schemas.microsoft.com/office/powerpoint/2010/main" val="957426793"/>
+        <p14:creationId xmlns:p14="http://schemas.microsoft.com/office/powerpoint/2010/main" val="1712989882"/>
       </p:ext>
     </p:extLst>
   </p:cSld>
   <p:clrMapOvr>
     <a:masterClrMapping/>
   </p:clrMapOvr>
+  <p:timing>
+    <p:tnLst>
+      <p:par>
+        <p:cTn id="1" dur="indefinite" restart="never" nodeType="tmRoot"/>
+      </p:par>
+    </p:tnLst>
+  </p:timing>
 </p:sld>
 </file>
 
@@ -5467,182 +5886,218 @@
       </p:grpSpPr>
       <p:sp>
         <p:nvSpPr>
-          <p:cNvPr id="4" name="Title 3"/>
-          <p:cNvSpPr>
-            <a:spLocks noGrp="1"/>
-          </p:cNvSpPr>
-          <p:nvPr>
-            <p:ph type="title"/>
-          </p:nvPr>
-        </p:nvSpPr>
-        <p:spPr/>
-        <p:txBody>
-          <a:bodyPr>
+          <p:cNvPr id="5" name="內容版面配置區 4"/>
+          <p:cNvSpPr>
+            <a:spLocks noGrp="1"/>
+          </p:cNvSpPr>
+          <p:nvPr>
+            <p:ph idx="1"/>
+          </p:nvPr>
+        </p:nvSpPr>
+        <p:spPr>
+          <a:xfrm>
+            <a:off x="0" y="2084853"/>
+            <a:ext cx="12192000" cy="2404863"/>
+          </a:xfrm>
+        </p:spPr>
+        <p:txBody>
+          <a:bodyPr anchor="ctr">
             <a:normAutofit/>
           </a:bodyPr>
           <a:lstStyle/>
           <a:p>
-            <a:r>
-              <a:rPr lang="en-US" altLang="zh-CN" sz="4800" b="1" dirty="0">
+            <a:pPr marL="0" indent="0" algn="ctr">
+              <a:buNone/>
+            </a:pPr>
+            <a:r>
+              <a:rPr lang="zh-TW" altLang="en-US" sz="6400" b="1" dirty="0">
                 <a:solidFill>
                   <a:srgbClr val="660033"/>
                 </a:solidFill>
                 <a:latin typeface="Microsoft JhengHei" panose="020B0604030504040204" pitchFamily="34" charset="-120"/>
                 <a:ea typeface="Microsoft JhengHei" panose="020B0604030504040204" pitchFamily="34" charset="-120"/>
               </a:rPr>
-              <a:t>【</a:t>
-            </a:r>
-            <a:r>
-              <a:rPr lang="zh-CN" altLang="en-US" sz="4800" b="1" dirty="0">
+              <a:t>愛何大尋找我</a:t>
+            </a:r>
+          </a:p>
+          <a:p>
+            <a:pPr marL="0" indent="0" algn="ctr">
+              <a:buNone/>
+            </a:pPr>
+            <a:r>
+              <a:rPr lang="zh-TW" altLang="en-US" sz="6400" b="1" dirty="0">
                 <a:solidFill>
                   <a:srgbClr val="660033"/>
                 </a:solidFill>
                 <a:latin typeface="Microsoft JhengHei" panose="020B0604030504040204" pitchFamily="34" charset="-120"/>
                 <a:ea typeface="Microsoft JhengHei" panose="020B0604030504040204" pitchFamily="34" charset="-120"/>
               </a:rPr>
-              <a:t>妙愛找我</a:t>
-            </a:r>
-            <a:r>
-              <a:rPr lang="en-US" altLang="zh-CN" sz="4800" b="1" dirty="0">
-                <a:solidFill>
-                  <a:srgbClr val="660033"/>
-                </a:solidFill>
-                <a:latin typeface="Microsoft JhengHei" panose="020B0604030504040204" pitchFamily="34" charset="-120"/>
-                <a:ea typeface="Microsoft JhengHei" panose="020B0604030504040204" pitchFamily="34" charset="-120"/>
-              </a:rPr>
-              <a:t>】</a:t>
-            </a:r>
-          </a:p>
-        </p:txBody>
-      </p:sp>
-      <p:sp>
-        <p:nvSpPr>
-          <p:cNvPr id="5" name="Content Placeholder 4"/>
-          <p:cNvSpPr>
-            <a:spLocks noGrp="1"/>
-          </p:cNvSpPr>
-          <p:nvPr>
-            <p:ph idx="1"/>
-          </p:nvPr>
-        </p:nvSpPr>
-        <p:spPr/>
-        <p:txBody>
-          <a:bodyPr>
-            <a:noAutofit/>
-          </a:bodyPr>
-          <a:lstStyle/>
-          <a:p>
-            <a:pPr marL="0" indent="0" algn="ctr">
-              <a:buNone/>
-            </a:pPr>
-            <a:r>
-              <a:rPr lang="zh-TW" altLang="en-US" sz="5400" b="1" dirty="0">
-                <a:solidFill>
-                  <a:srgbClr val="660033"/>
-                </a:solidFill>
-                <a:latin typeface="Microsoft JhengHei" panose="020B0604030504040204" pitchFamily="34" charset="-120"/>
-                <a:ea typeface="Microsoft JhengHei" panose="020B0604030504040204" pitchFamily="34" charset="-120"/>
-              </a:rPr>
-              <a:t>愛何大尋找我</a:t>
-            </a:r>
-          </a:p>
-          <a:p>
-            <a:pPr marL="0" indent="0" algn="ctr">
-              <a:buNone/>
-            </a:pPr>
-            <a:r>
-              <a:rPr lang="zh-TW" altLang="en-US" sz="5400" b="1" dirty="0">
-                <a:solidFill>
-                  <a:srgbClr val="660033"/>
-                </a:solidFill>
-                <a:latin typeface="Microsoft JhengHei" panose="020B0604030504040204" pitchFamily="34" charset="-120"/>
-                <a:ea typeface="Microsoft JhengHei" panose="020B0604030504040204" pitchFamily="34" charset="-120"/>
-              </a:rPr>
               <a:t>血何寶洗淨我</a:t>
             </a:r>
-          </a:p>
-          <a:p>
-            <a:pPr marL="0" indent="0" algn="ctr">
-              <a:buNone/>
-            </a:pPr>
-            <a:r>
-              <a:rPr lang="zh-TW" altLang="en-US" sz="5400" b="1" dirty="0">
-                <a:solidFill>
-                  <a:srgbClr val="660033"/>
-                </a:solidFill>
-                <a:latin typeface="Microsoft JhengHei" panose="020B0604030504040204" pitchFamily="34" charset="-120"/>
-                <a:ea typeface="Microsoft JhengHei" panose="020B0604030504040204" pitchFamily="34" charset="-120"/>
-              </a:rPr>
-              <a:t>恩何寬領我歸</a:t>
-            </a:r>
-            <a:r>
-              <a:rPr lang="zh-CN" altLang="zh-TW" sz="5400" b="1" dirty="0">
-                <a:solidFill>
-                  <a:srgbClr val="660033"/>
-                </a:solidFill>
-                <a:latin typeface="Microsoft JhengHei" panose="020B0604030504040204" pitchFamily="34" charset="-120"/>
-                <a:ea typeface="Microsoft JhengHei" panose="020B0604030504040204" pitchFamily="34" charset="-120"/>
-              </a:rPr>
-              <a:t>回群</a:t>
-            </a:r>
-            <a:r>
-              <a:rPr lang="zh-TW" altLang="en-US" sz="5400" b="1" dirty="0">
-                <a:solidFill>
-                  <a:srgbClr val="660033"/>
-                </a:solidFill>
-                <a:latin typeface="Microsoft JhengHei" panose="020B0604030504040204" pitchFamily="34" charset="-120"/>
-                <a:ea typeface="Microsoft JhengHei" panose="020B0604030504040204" pitchFamily="34" charset="-120"/>
-              </a:rPr>
-              <a:t>中</a:t>
-            </a:r>
-          </a:p>
-          <a:p>
-            <a:pPr marL="0" indent="0" algn="ctr">
-              <a:buNone/>
-            </a:pPr>
-            <a:r>
-              <a:rPr lang="zh-TW" altLang="en-US" sz="5400" b="1" dirty="0">
-                <a:solidFill>
-                  <a:srgbClr val="660033"/>
-                </a:solidFill>
-                <a:latin typeface="Microsoft JhengHei" panose="020B0604030504040204" pitchFamily="34" charset="-120"/>
-                <a:ea typeface="Microsoft JhengHei" panose="020B0604030504040204" pitchFamily="34" charset="-120"/>
-              </a:rPr>
-              <a:t>恩何寬領我歸</a:t>
-            </a:r>
-            <a:r>
-              <a:rPr lang="zh-CN" altLang="zh-TW" sz="5400" b="1" dirty="0">
-                <a:solidFill>
-                  <a:srgbClr val="660033"/>
-                </a:solidFill>
-                <a:latin typeface="Microsoft JhengHei" panose="020B0604030504040204" pitchFamily="34" charset="-120"/>
-                <a:ea typeface="Microsoft JhengHei" panose="020B0604030504040204" pitchFamily="34" charset="-120"/>
-              </a:rPr>
-              <a:t>回群</a:t>
-            </a:r>
-            <a:r>
-              <a:rPr lang="zh-TW" altLang="en-US" sz="5400" b="1" dirty="0">
-                <a:solidFill>
-                  <a:srgbClr val="660033"/>
-                </a:solidFill>
-                <a:latin typeface="Microsoft JhengHei" panose="020B0604030504040204" pitchFamily="34" charset="-120"/>
-                <a:ea typeface="Microsoft JhengHei" panose="020B0604030504040204" pitchFamily="34" charset="-120"/>
-              </a:rPr>
-              <a:t>中</a:t>
-            </a:r>
+            <a:endParaRPr lang="zh-TW" altLang="en-US" sz="6400" b="1" dirty="0">
+              <a:solidFill>
+                <a:srgbClr val="660033"/>
+              </a:solidFill>
+              <a:latin typeface="Microsoft JhengHei" panose="020B0604030504040204" pitchFamily="34" charset="-120"/>
+              <a:ea typeface="Microsoft JhengHei" panose="020B0604030504040204" pitchFamily="34" charset="-120"/>
+            </a:endParaRPr>
           </a:p>
         </p:txBody>
       </p:sp>
     </p:spTree>
     <p:extLst>
       <p:ext uri="{BB962C8B-B14F-4D97-AF65-F5344CB8AC3E}">
-        <p14:creationId xmlns:p14="http://schemas.microsoft.com/office/powerpoint/2010/main" val="2029727213"/>
+        <p14:creationId xmlns:p14="http://schemas.microsoft.com/office/powerpoint/2010/main" val="3063632869"/>
       </p:ext>
     </p:extLst>
   </p:cSld>
   <p:clrMapOvr>
     <a:masterClrMapping/>
   </p:clrMapOvr>
+  <p:timing>
+    <p:tnLst>
+      <p:par>
+        <p:cTn id="1" dur="indefinite" restart="never" nodeType="tmRoot"/>
+      </p:par>
+    </p:tnLst>
+  </p:timing>
+</p:sld>
+</file>
+
+<file path=ppt/slides/slide9.xml><?xml version="1.0" encoding="utf-8"?>
+<p:sld xmlns:a="http://schemas.openxmlformats.org/drawingml/2006/main" xmlns:r="http://schemas.openxmlformats.org/officeDocument/2006/relationships" xmlns:p="http://schemas.openxmlformats.org/presentationml/2006/main">
+  <p:cSld>
+    <p:spTree>
+      <p:nvGrpSpPr>
+        <p:cNvPr id="1" name=""/>
+        <p:cNvGrpSpPr/>
+        <p:nvPr/>
+      </p:nvGrpSpPr>
+      <p:grpSpPr>
+        <a:xfrm>
+          <a:off x="0" y="0"/>
+          <a:ext cx="0" cy="0"/>
+          <a:chOff x="0" y="0"/>
+          <a:chExt cx="0" cy="0"/>
+        </a:xfrm>
+      </p:grpSpPr>
+      <p:sp>
+        <p:nvSpPr>
+          <p:cNvPr id="5" name="內容版面配置區 4"/>
+          <p:cNvSpPr>
+            <a:spLocks noGrp="1"/>
+          </p:cNvSpPr>
+          <p:nvPr>
+            <p:ph idx="1"/>
+          </p:nvPr>
+        </p:nvSpPr>
+        <p:spPr>
+          <a:xfrm>
+            <a:off x="0" y="2084853"/>
+            <a:ext cx="12192000" cy="2404863"/>
+          </a:xfrm>
+        </p:spPr>
+        <p:txBody>
+          <a:bodyPr anchor="ctr">
+            <a:normAutofit/>
+          </a:bodyPr>
+          <a:lstStyle/>
+          <a:p>
+            <a:pPr marL="0" indent="0" algn="ctr">
+              <a:buNone/>
+            </a:pPr>
+            <a:r>
+              <a:rPr lang="zh-TW" altLang="en-US" sz="6400" b="1" dirty="0">
+                <a:solidFill>
+                  <a:srgbClr val="660033"/>
+                </a:solidFill>
+                <a:latin typeface="Microsoft JhengHei" panose="020B0604030504040204" pitchFamily="34" charset="-120"/>
+                <a:ea typeface="Microsoft JhengHei" panose="020B0604030504040204" pitchFamily="34" charset="-120"/>
+              </a:rPr>
+              <a:t>恩何寬領我歸</a:t>
+            </a:r>
+            <a:r>
+              <a:rPr lang="zh-CN" altLang="zh-TW" sz="6400" b="1" dirty="0">
+                <a:solidFill>
+                  <a:srgbClr val="660033"/>
+                </a:solidFill>
+                <a:latin typeface="Microsoft JhengHei" panose="020B0604030504040204" pitchFamily="34" charset="-120"/>
+                <a:ea typeface="Microsoft JhengHei" panose="020B0604030504040204" pitchFamily="34" charset="-120"/>
+              </a:rPr>
+              <a:t>回群</a:t>
+            </a:r>
+            <a:r>
+              <a:rPr lang="zh-TW" altLang="en-US" sz="6400" b="1" dirty="0">
+                <a:solidFill>
+                  <a:srgbClr val="660033"/>
+                </a:solidFill>
+                <a:latin typeface="Microsoft JhengHei" panose="020B0604030504040204" pitchFamily="34" charset="-120"/>
+                <a:ea typeface="Microsoft JhengHei" panose="020B0604030504040204" pitchFamily="34" charset="-120"/>
+              </a:rPr>
+              <a:t>中</a:t>
+            </a:r>
+          </a:p>
+          <a:p>
+            <a:pPr marL="0" indent="0" algn="ctr">
+              <a:buNone/>
+            </a:pPr>
+            <a:r>
+              <a:rPr lang="zh-TW" altLang="en-US" sz="6400" b="1" dirty="0">
+                <a:solidFill>
+                  <a:srgbClr val="660033"/>
+                </a:solidFill>
+                <a:latin typeface="Microsoft JhengHei" panose="020B0604030504040204" pitchFamily="34" charset="-120"/>
+                <a:ea typeface="Microsoft JhengHei" panose="020B0604030504040204" pitchFamily="34" charset="-120"/>
+              </a:rPr>
+              <a:t>恩何寬領我歸</a:t>
+            </a:r>
+            <a:r>
+              <a:rPr lang="zh-CN" altLang="zh-TW" sz="6400" b="1" dirty="0">
+                <a:solidFill>
+                  <a:srgbClr val="660033"/>
+                </a:solidFill>
+                <a:latin typeface="Microsoft JhengHei" panose="020B0604030504040204" pitchFamily="34" charset="-120"/>
+                <a:ea typeface="Microsoft JhengHei" panose="020B0604030504040204" pitchFamily="34" charset="-120"/>
+              </a:rPr>
+              <a:t>回群</a:t>
+            </a:r>
+            <a:r>
+              <a:rPr lang="zh-TW" altLang="en-US" sz="6400" b="1" dirty="0">
+                <a:solidFill>
+                  <a:srgbClr val="660033"/>
+                </a:solidFill>
+                <a:latin typeface="Microsoft JhengHei" panose="020B0604030504040204" pitchFamily="34" charset="-120"/>
+                <a:ea typeface="Microsoft JhengHei" panose="020B0604030504040204" pitchFamily="34" charset="-120"/>
+              </a:rPr>
+              <a:t>中</a:t>
+            </a:r>
+            <a:endParaRPr lang="zh-TW" altLang="en-US" sz="6400" b="1" dirty="0">
+              <a:solidFill>
+                <a:srgbClr val="660033"/>
+              </a:solidFill>
+              <a:latin typeface="Microsoft JhengHei" panose="020B0604030504040204" pitchFamily="34" charset="-120"/>
+              <a:ea typeface="Microsoft JhengHei" panose="020B0604030504040204" pitchFamily="34" charset="-120"/>
+            </a:endParaRPr>
+          </a:p>
+        </p:txBody>
+      </p:sp>
+    </p:spTree>
+    <p:extLst>
+      <p:ext uri="{BB962C8B-B14F-4D97-AF65-F5344CB8AC3E}">
+        <p14:creationId xmlns:p14="http://schemas.microsoft.com/office/powerpoint/2010/main" val="2801809508"/>
+      </p:ext>
+    </p:extLst>
+  </p:cSld>
+  <p:clrMapOvr>
+    <a:masterClrMapping/>
+  </p:clrMapOvr>
+  <p:timing>
+    <p:tnLst>
+      <p:par>
+        <p:cTn id="1" dur="indefinite" restart="never" nodeType="tmRoot"/>
+      </p:par>
+    </p:tnLst>
+  </p:timing>
 </p:sld>
 </file>
 
